--- a/Kel4_DeskripsiAwal_LesOn!_v2.pptx
+++ b/Kel4_DeskripsiAwal_LesOn!_v2.pptx
@@ -30,38 +30,38 @@
       <p:regular r:id="rId15"/>
     </p:embeddedFont>
     <p:embeddedFont>
-      <p:font typeface="Anton" panose="020B0604020202020204" charset="0"/>
+      <p:font typeface="Alegreya Sans Bold" panose="020B0604020202020204" charset="0"/>
       <p:regular r:id="rId16"/>
     </p:embeddedFont>
     <p:embeddedFont>
-      <p:font typeface="Alegreya Sans Bold" panose="020B0604020202020204" charset="0"/>
+      <p:font typeface="Rubik Light Italics" panose="020B0604020202020204" charset="-79"/>
       <p:regular r:id="rId17"/>
     </p:embeddedFont>
     <p:embeddedFont>
+      <p:font typeface="Open Sauce Light Bold" panose="020B0604020202020204" charset="0"/>
+      <p:regular r:id="rId18"/>
+    </p:embeddedFont>
+    <p:embeddedFont>
       <p:font typeface="Calibri" panose="020F0502020204030204" pitchFamily="34" charset="0"/>
-      <p:regular r:id="rId18"/>
-      <p:bold r:id="rId19"/>
-      <p:italic r:id="rId20"/>
-      <p:boldItalic r:id="rId21"/>
+      <p:regular r:id="rId19"/>
+      <p:bold r:id="rId20"/>
+      <p:italic r:id="rId21"/>
+      <p:boldItalic r:id="rId22"/>
+    </p:embeddedFont>
+    <p:embeddedFont>
+      <p:font typeface="Rubik Light" panose="020B0604020202020204" charset="-79"/>
+      <p:regular r:id="rId23"/>
+    </p:embeddedFont>
+    <p:embeddedFont>
+      <p:font typeface="Anton" panose="020B0604020202020204" charset="0"/>
+      <p:regular r:id="rId24"/>
     </p:embeddedFont>
     <p:embeddedFont>
       <p:font typeface="Rubik One" panose="020B0604020202020204" charset="-79"/>
-      <p:regular r:id="rId22"/>
+      <p:regular r:id="rId25"/>
     </p:embeddedFont>
     <p:embeddedFont>
       <p:font typeface="Rubik Medium" panose="020B0604020202020204" charset="-79"/>
-      <p:regular r:id="rId23"/>
-    </p:embeddedFont>
-    <p:embeddedFont>
-      <p:font typeface="Rubik Light Italics" panose="020B0604020202020204" charset="-79"/>
-      <p:regular r:id="rId24"/>
-    </p:embeddedFont>
-    <p:embeddedFont>
-      <p:font typeface="Rubik Light" panose="020B0604020202020204" charset="-79"/>
-      <p:regular r:id="rId25"/>
-    </p:embeddedFont>
-    <p:embeddedFont>
-      <p:font typeface="Open Sauce Light Bold" panose="020B0604020202020204" charset="0"/>
       <p:regular r:id="rId26"/>
     </p:embeddedFont>
   </p:embeddedFontLst>
@@ -217,10 +217,9 @@
           <a:lstStyle/>
           <a:p>
             <a:r>
-              <a:rPr lang="en-US" smtClean="0"/>
+              <a:rPr lang="en-US"/>
               <a:t>Click to edit Master title style</a:t>
             </a:r>
-            <a:endParaRPr lang="en-US"/>
           </a:p>
         </p:txBody>
       </p:sp>
@@ -336,10 +335,9 @@
           </a:lstStyle>
           <a:p>
             <a:r>
-              <a:rPr lang="en-US" smtClean="0"/>
+              <a:rPr lang="en-US"/>
               <a:t>Click to edit Master subtitle style</a:t>
             </a:r>
-            <a:endParaRPr lang="en-US"/>
           </a:p>
         </p:txBody>
       </p:sp>
@@ -451,10 +449,9 @@
           <a:lstStyle/>
           <a:p>
             <a:r>
-              <a:rPr lang="en-US" smtClean="0"/>
+              <a:rPr lang="en-US"/>
               <a:t>Click to edit Master title style</a:t>
             </a:r>
-            <a:endParaRPr lang="en-US"/>
           </a:p>
         </p:txBody>
       </p:sp>
@@ -475,38 +472,37 @@
           <a:p>
             <a:pPr lvl="0"/>
             <a:r>
-              <a:rPr lang="en-US" smtClean="0"/>
+              <a:rPr lang="en-US"/>
               <a:t>Click to edit Master text styles</a:t>
             </a:r>
           </a:p>
           <a:p>
             <a:pPr lvl="1"/>
             <a:r>
-              <a:rPr lang="en-US" smtClean="0"/>
+              <a:rPr lang="en-US"/>
               <a:t>Second level</a:t>
             </a:r>
           </a:p>
           <a:p>
             <a:pPr lvl="2"/>
             <a:r>
-              <a:rPr lang="en-US" smtClean="0"/>
+              <a:rPr lang="en-US"/>
               <a:t>Third level</a:t>
             </a:r>
           </a:p>
           <a:p>
             <a:pPr lvl="3"/>
             <a:r>
-              <a:rPr lang="en-US" smtClean="0"/>
+              <a:rPr lang="en-US"/>
               <a:t>Fourth level</a:t>
             </a:r>
           </a:p>
           <a:p>
             <a:pPr lvl="4"/>
             <a:r>
-              <a:rPr lang="en-US" smtClean="0"/>
+              <a:rPr lang="en-US"/>
               <a:t>Fifth level</a:t>
             </a:r>
-            <a:endParaRPr lang="en-US"/>
           </a:p>
         </p:txBody>
       </p:sp>
@@ -623,10 +619,9 @@
           <a:lstStyle/>
           <a:p>
             <a:r>
-              <a:rPr lang="en-US" smtClean="0"/>
+              <a:rPr lang="en-US"/>
               <a:t>Click to edit Master title style</a:t>
             </a:r>
-            <a:endParaRPr lang="en-US"/>
           </a:p>
         </p:txBody>
       </p:sp>
@@ -652,38 +647,37 @@
           <a:p>
             <a:pPr lvl="0"/>
             <a:r>
-              <a:rPr lang="en-US" smtClean="0"/>
+              <a:rPr lang="en-US"/>
               <a:t>Click to edit Master text styles</a:t>
             </a:r>
           </a:p>
           <a:p>
             <a:pPr lvl="1"/>
             <a:r>
-              <a:rPr lang="en-US" smtClean="0"/>
+              <a:rPr lang="en-US"/>
               <a:t>Second level</a:t>
             </a:r>
           </a:p>
           <a:p>
             <a:pPr lvl="2"/>
             <a:r>
-              <a:rPr lang="en-US" smtClean="0"/>
+              <a:rPr lang="en-US"/>
               <a:t>Third level</a:t>
             </a:r>
           </a:p>
           <a:p>
             <a:pPr lvl="3"/>
             <a:r>
-              <a:rPr lang="en-US" smtClean="0"/>
+              <a:rPr lang="en-US"/>
               <a:t>Fourth level</a:t>
             </a:r>
           </a:p>
           <a:p>
             <a:pPr lvl="4"/>
             <a:r>
-              <a:rPr lang="en-US" smtClean="0"/>
+              <a:rPr lang="en-US"/>
               <a:t>Fifth level</a:t>
             </a:r>
-            <a:endParaRPr lang="en-US"/>
           </a:p>
         </p:txBody>
       </p:sp>
@@ -795,10 +789,9 @@
           <a:lstStyle/>
           <a:p>
             <a:r>
-              <a:rPr lang="en-US" smtClean="0"/>
+              <a:rPr lang="en-US"/>
               <a:t>Click to edit Master title style</a:t>
             </a:r>
-            <a:endParaRPr lang="en-US"/>
           </a:p>
         </p:txBody>
       </p:sp>
@@ -819,38 +812,37 @@
           <a:p>
             <a:pPr lvl="0"/>
             <a:r>
-              <a:rPr lang="en-US" smtClean="0"/>
+              <a:rPr lang="en-US"/>
               <a:t>Click to edit Master text styles</a:t>
             </a:r>
           </a:p>
           <a:p>
             <a:pPr lvl="1"/>
             <a:r>
-              <a:rPr lang="en-US" smtClean="0"/>
+              <a:rPr lang="en-US"/>
               <a:t>Second level</a:t>
             </a:r>
           </a:p>
           <a:p>
             <a:pPr lvl="2"/>
             <a:r>
-              <a:rPr lang="en-US" smtClean="0"/>
+              <a:rPr lang="en-US"/>
               <a:t>Third level</a:t>
             </a:r>
           </a:p>
           <a:p>
             <a:pPr lvl="3"/>
             <a:r>
-              <a:rPr lang="en-US" smtClean="0"/>
+              <a:rPr lang="en-US"/>
               <a:t>Fourth level</a:t>
             </a:r>
           </a:p>
           <a:p>
             <a:pPr lvl="4"/>
             <a:r>
-              <a:rPr lang="en-US" smtClean="0"/>
+              <a:rPr lang="en-US"/>
               <a:t>Fifth level</a:t>
             </a:r>
-            <a:endParaRPr lang="en-US"/>
           </a:p>
         </p:txBody>
       </p:sp>
@@ -971,10 +963,9 @@
           </a:lstStyle>
           <a:p>
             <a:r>
-              <a:rPr lang="en-US" smtClean="0"/>
+              <a:rPr lang="en-US"/>
               <a:t>Click to edit Master title style</a:t>
             </a:r>
-            <a:endParaRPr lang="en-US"/>
           </a:p>
         </p:txBody>
       </p:sp>
@@ -1091,7 +1082,7 @@
           <a:p>
             <a:pPr lvl="0"/>
             <a:r>
-              <a:rPr lang="en-US" smtClean="0"/>
+              <a:rPr lang="en-US"/>
               <a:t>Click to edit Master text styles</a:t>
             </a:r>
           </a:p>
@@ -1205,10 +1196,9 @@
           <a:lstStyle/>
           <a:p>
             <a:r>
-              <a:rPr lang="en-US" smtClean="0"/>
+              <a:rPr lang="en-US"/>
               <a:t>Click to edit Master title style</a:t>
             </a:r>
-            <a:endParaRPr lang="en-US"/>
           </a:p>
         </p:txBody>
       </p:sp>
@@ -1262,38 +1252,37 @@
           <a:p>
             <a:pPr lvl="0"/>
             <a:r>
-              <a:rPr lang="en-US" smtClean="0"/>
+              <a:rPr lang="en-US"/>
               <a:t>Click to edit Master text styles</a:t>
             </a:r>
           </a:p>
           <a:p>
             <a:pPr lvl="1"/>
             <a:r>
-              <a:rPr lang="en-US" smtClean="0"/>
+              <a:rPr lang="en-US"/>
               <a:t>Second level</a:t>
             </a:r>
           </a:p>
           <a:p>
             <a:pPr lvl="2"/>
             <a:r>
-              <a:rPr lang="en-US" smtClean="0"/>
+              <a:rPr lang="en-US"/>
               <a:t>Third level</a:t>
             </a:r>
           </a:p>
           <a:p>
             <a:pPr lvl="3"/>
             <a:r>
-              <a:rPr lang="en-US" smtClean="0"/>
+              <a:rPr lang="en-US"/>
               <a:t>Fourth level</a:t>
             </a:r>
           </a:p>
           <a:p>
             <a:pPr lvl="4"/>
             <a:r>
-              <a:rPr lang="en-US" smtClean="0"/>
+              <a:rPr lang="en-US"/>
               <a:t>Fifth level</a:t>
             </a:r>
-            <a:endParaRPr lang="en-US"/>
           </a:p>
         </p:txBody>
       </p:sp>
@@ -1347,38 +1336,37 @@
           <a:p>
             <a:pPr lvl="0"/>
             <a:r>
-              <a:rPr lang="en-US" smtClean="0"/>
+              <a:rPr lang="en-US"/>
               <a:t>Click to edit Master text styles</a:t>
             </a:r>
           </a:p>
           <a:p>
             <a:pPr lvl="1"/>
             <a:r>
-              <a:rPr lang="en-US" smtClean="0"/>
+              <a:rPr lang="en-US"/>
               <a:t>Second level</a:t>
             </a:r>
           </a:p>
           <a:p>
             <a:pPr lvl="2"/>
             <a:r>
-              <a:rPr lang="en-US" smtClean="0"/>
+              <a:rPr lang="en-US"/>
               <a:t>Third level</a:t>
             </a:r>
           </a:p>
           <a:p>
             <a:pPr lvl="3"/>
             <a:r>
-              <a:rPr lang="en-US" smtClean="0"/>
+              <a:rPr lang="en-US"/>
               <a:t>Fourth level</a:t>
             </a:r>
           </a:p>
           <a:p>
             <a:pPr lvl="4"/>
             <a:r>
-              <a:rPr lang="en-US" smtClean="0"/>
+              <a:rPr lang="en-US"/>
               <a:t>Fifth level</a:t>
             </a:r>
-            <a:endParaRPr lang="en-US"/>
           </a:p>
         </p:txBody>
       </p:sp>
@@ -1494,10 +1482,9 @@
           </a:lstStyle>
           <a:p>
             <a:r>
-              <a:rPr lang="en-US" smtClean="0"/>
+              <a:rPr lang="en-US"/>
               <a:t>Click to edit Master title style</a:t>
             </a:r>
-            <a:endParaRPr lang="en-US"/>
           </a:p>
         </p:txBody>
       </p:sp>
@@ -1560,7 +1547,7 @@
           <a:p>
             <a:pPr lvl="0"/>
             <a:r>
-              <a:rPr lang="en-US" smtClean="0"/>
+              <a:rPr lang="en-US"/>
               <a:t>Click to edit Master text styles</a:t>
             </a:r>
           </a:p>
@@ -1616,38 +1603,37 @@
           <a:p>
             <a:pPr lvl="0"/>
             <a:r>
-              <a:rPr lang="en-US" smtClean="0"/>
+              <a:rPr lang="en-US"/>
               <a:t>Click to edit Master text styles</a:t>
             </a:r>
           </a:p>
           <a:p>
             <a:pPr lvl="1"/>
             <a:r>
-              <a:rPr lang="en-US" smtClean="0"/>
+              <a:rPr lang="en-US"/>
               <a:t>Second level</a:t>
             </a:r>
           </a:p>
           <a:p>
             <a:pPr lvl="2"/>
             <a:r>
-              <a:rPr lang="en-US" smtClean="0"/>
+              <a:rPr lang="en-US"/>
               <a:t>Third level</a:t>
             </a:r>
           </a:p>
           <a:p>
             <a:pPr lvl="3"/>
             <a:r>
-              <a:rPr lang="en-US" smtClean="0"/>
+              <a:rPr lang="en-US"/>
               <a:t>Fourth level</a:t>
             </a:r>
           </a:p>
           <a:p>
             <a:pPr lvl="4"/>
             <a:r>
-              <a:rPr lang="en-US" smtClean="0"/>
+              <a:rPr lang="en-US"/>
               <a:t>Fifth level</a:t>
             </a:r>
-            <a:endParaRPr lang="en-US"/>
           </a:p>
         </p:txBody>
       </p:sp>
@@ -1710,7 +1696,7 @@
           <a:p>
             <a:pPr lvl="0"/>
             <a:r>
-              <a:rPr lang="en-US" smtClean="0"/>
+              <a:rPr lang="en-US"/>
               <a:t>Click to edit Master text styles</a:t>
             </a:r>
           </a:p>
@@ -1766,38 +1752,37 @@
           <a:p>
             <a:pPr lvl="0"/>
             <a:r>
-              <a:rPr lang="en-US" smtClean="0"/>
+              <a:rPr lang="en-US"/>
               <a:t>Click to edit Master text styles</a:t>
             </a:r>
           </a:p>
           <a:p>
             <a:pPr lvl="1"/>
             <a:r>
-              <a:rPr lang="en-US" smtClean="0"/>
+              <a:rPr lang="en-US"/>
               <a:t>Second level</a:t>
             </a:r>
           </a:p>
           <a:p>
             <a:pPr lvl="2"/>
             <a:r>
-              <a:rPr lang="en-US" smtClean="0"/>
+              <a:rPr lang="en-US"/>
               <a:t>Third level</a:t>
             </a:r>
           </a:p>
           <a:p>
             <a:pPr lvl="3"/>
             <a:r>
-              <a:rPr lang="en-US" smtClean="0"/>
+              <a:rPr lang="en-US"/>
               <a:t>Fourth level</a:t>
             </a:r>
           </a:p>
           <a:p>
             <a:pPr lvl="4"/>
             <a:r>
-              <a:rPr lang="en-US" smtClean="0"/>
+              <a:rPr lang="en-US"/>
               <a:t>Fifth level</a:t>
             </a:r>
-            <a:endParaRPr lang="en-US"/>
           </a:p>
         </p:txBody>
       </p:sp>
@@ -1909,10 +1894,9 @@
           <a:lstStyle/>
           <a:p>
             <a:r>
-              <a:rPr lang="en-US" smtClean="0"/>
+              <a:rPr lang="en-US"/>
               <a:t>Click to edit Master title style</a:t>
             </a:r>
-            <a:endParaRPr lang="en-US"/>
           </a:p>
         </p:txBody>
       </p:sp>
@@ -2125,10 +2109,9 @@
           </a:lstStyle>
           <a:p>
             <a:r>
-              <a:rPr lang="en-US" smtClean="0"/>
+              <a:rPr lang="en-US"/>
               <a:t>Click to edit Master title style</a:t>
             </a:r>
-            <a:endParaRPr lang="en-US"/>
           </a:p>
         </p:txBody>
       </p:sp>
@@ -2182,38 +2165,37 @@
           <a:p>
             <a:pPr lvl="0"/>
             <a:r>
-              <a:rPr lang="en-US" smtClean="0"/>
+              <a:rPr lang="en-US"/>
               <a:t>Click to edit Master text styles</a:t>
             </a:r>
           </a:p>
           <a:p>
             <a:pPr lvl="1"/>
             <a:r>
-              <a:rPr lang="en-US" smtClean="0"/>
+              <a:rPr lang="en-US"/>
               <a:t>Second level</a:t>
             </a:r>
           </a:p>
           <a:p>
             <a:pPr lvl="2"/>
             <a:r>
-              <a:rPr lang="en-US" smtClean="0"/>
+              <a:rPr lang="en-US"/>
               <a:t>Third level</a:t>
             </a:r>
           </a:p>
           <a:p>
             <a:pPr lvl="3"/>
             <a:r>
-              <a:rPr lang="en-US" smtClean="0"/>
+              <a:rPr lang="en-US"/>
               <a:t>Fourth level</a:t>
             </a:r>
           </a:p>
           <a:p>
             <a:pPr lvl="4"/>
             <a:r>
-              <a:rPr lang="en-US" smtClean="0"/>
+              <a:rPr lang="en-US"/>
               <a:t>Fifth level</a:t>
             </a:r>
-            <a:endParaRPr lang="en-US"/>
           </a:p>
         </p:txBody>
       </p:sp>
@@ -2276,7 +2258,7 @@
           <a:p>
             <a:pPr lvl="0"/>
             <a:r>
-              <a:rPr lang="en-US" smtClean="0"/>
+              <a:rPr lang="en-US"/>
               <a:t>Click to edit Master text styles</a:t>
             </a:r>
           </a:p>
@@ -2399,10 +2381,9 @@
           </a:lstStyle>
           <a:p>
             <a:r>
-              <a:rPr lang="en-US" smtClean="0"/>
+              <a:rPr lang="en-US"/>
               <a:t>Click to edit Master title style</a:t>
             </a:r>
-            <a:endParaRPr lang="en-US"/>
           </a:p>
         </p:txBody>
       </p:sp>
@@ -2526,7 +2507,7 @@
           <a:p>
             <a:pPr lvl="0"/>
             <a:r>
-              <a:rPr lang="en-US" smtClean="0"/>
+              <a:rPr lang="en-US"/>
               <a:t>Click to edit Master text styles</a:t>
             </a:r>
           </a:p>
@@ -2655,10 +2636,9 @@
           <a:lstStyle/>
           <a:p>
             <a:r>
-              <a:rPr lang="en-US" smtClean="0"/>
+              <a:rPr lang="en-US"/>
               <a:t>Click to edit Master title style</a:t>
             </a:r>
-            <a:endParaRPr lang="en-US"/>
           </a:p>
         </p:txBody>
       </p:sp>
@@ -2689,38 +2669,37 @@
           <a:p>
             <a:pPr lvl="0"/>
             <a:r>
-              <a:rPr lang="en-US" smtClean="0"/>
+              <a:rPr lang="en-US"/>
               <a:t>Click to edit Master text styles</a:t>
             </a:r>
           </a:p>
           <a:p>
             <a:pPr lvl="1"/>
             <a:r>
-              <a:rPr lang="en-US" smtClean="0"/>
+              <a:rPr lang="en-US"/>
               <a:t>Second level</a:t>
             </a:r>
           </a:p>
           <a:p>
             <a:pPr lvl="2"/>
             <a:r>
-              <a:rPr lang="en-US" smtClean="0"/>
+              <a:rPr lang="en-US"/>
               <a:t>Third level</a:t>
             </a:r>
           </a:p>
           <a:p>
             <a:pPr lvl="3"/>
             <a:r>
-              <a:rPr lang="en-US" smtClean="0"/>
+              <a:rPr lang="en-US"/>
               <a:t>Fourth level</a:t>
             </a:r>
           </a:p>
           <a:p>
             <a:pPr lvl="4"/>
             <a:r>
-              <a:rPr lang="en-US" smtClean="0"/>
+              <a:rPr lang="en-US"/>
               <a:t>Fifth level</a:t>
             </a:r>
-            <a:endParaRPr lang="en-US"/>
           </a:p>
         </p:txBody>
       </p:sp>
@@ -3411,7 +3390,7 @@
         </p:nvSpPr>
         <p:spPr>
           <a:xfrm rot="-5400000">
-            <a:off x="2933415" y="4374418"/>
+            <a:off x="2933415" y="4489275"/>
             <a:ext cx="109001" cy="1124362"/>
           </a:xfrm>
           <a:prstGeom prst="rect">
@@ -3430,7 +3409,7 @@
         </p:nvSpPr>
         <p:spPr>
           <a:xfrm rot="-5400000">
-            <a:off x="11459151" y="4323236"/>
+            <a:off x="11459151" y="4508339"/>
             <a:ext cx="109001" cy="1074326"/>
           </a:xfrm>
           <a:prstGeom prst="rect">
@@ -3449,7 +3428,7 @@
         </p:nvSpPr>
         <p:spPr>
           <a:xfrm rot="-5400000">
-            <a:off x="7098415" y="4343529"/>
+            <a:off x="7098415" y="4517849"/>
             <a:ext cx="109001" cy="1099344"/>
           </a:xfrm>
           <a:prstGeom prst="rect">
@@ -3801,8 +3780,161 @@
         </p:nvSpPr>
         <p:spPr>
           <a:xfrm>
-            <a:off x="1676400" y="4250936"/>
-            <a:ext cx="2550319" cy="619760"/>
+            <a:off x="1726109" y="4242698"/>
+            <a:ext cx="2629707" cy="619760"/>
+          </a:xfrm>
+          <a:prstGeom prst="rect">
+            <a:avLst/>
+          </a:prstGeom>
+        </p:spPr>
+        <p:txBody>
+          <a:bodyPr wrap="square" lIns="0" tIns="0" rIns="0" bIns="0" rtlCol="0" anchor="t">
+            <a:spAutoFit/>
+          </a:bodyPr>
+          <a:lstStyle/>
+          <a:p>
+            <a:pPr algn="ctr">
+              <a:lnSpc>
+                <a:spcPts val="5040"/>
+              </a:lnSpc>
+            </a:pPr>
+            <a:r>
+              <a:rPr lang="en-US" sz="3600" dirty="0" err="1">
+                <a:solidFill>
+                  <a:srgbClr val="000000"/>
+                </a:solidFill>
+                <a:latin typeface="Rubik Medium"/>
+              </a:rPr>
+              <a:t>Profil</a:t>
+            </a:r>
+            <a:r>
+              <a:rPr lang="en-US" sz="3600" dirty="0">
+                <a:solidFill>
+                  <a:srgbClr val="000000"/>
+                </a:solidFill>
+                <a:latin typeface="Rubik Medium"/>
+              </a:rPr>
+              <a:t> Murid</a:t>
+            </a:r>
+          </a:p>
+        </p:txBody>
+      </p:sp>
+      <p:sp>
+        <p:nvSpPr>
+          <p:cNvPr id="19" name="TextBox 19"/>
+          <p:cNvSpPr txBox="1"/>
+          <p:nvPr/>
+        </p:nvSpPr>
+        <p:spPr>
+          <a:xfrm>
+            <a:off x="5589277" y="4231434"/>
+            <a:ext cx="3127275" cy="619760"/>
+          </a:xfrm>
+          <a:prstGeom prst="rect">
+            <a:avLst/>
+          </a:prstGeom>
+        </p:spPr>
+        <p:txBody>
+          <a:bodyPr wrap="square" lIns="0" tIns="0" rIns="0" bIns="0" rtlCol="0" anchor="t">
+            <a:spAutoFit/>
+          </a:bodyPr>
+          <a:lstStyle/>
+          <a:p>
+            <a:pPr algn="ctr">
+              <a:lnSpc>
+                <a:spcPts val="5040"/>
+              </a:lnSpc>
+            </a:pPr>
+            <a:r>
+              <a:rPr lang="en-US" sz="3600" dirty="0">
+                <a:solidFill>
+                  <a:srgbClr val="000000"/>
+                </a:solidFill>
+                <a:latin typeface="Rubik Medium"/>
+              </a:rPr>
+              <a:t>List </a:t>
+            </a:r>
+            <a:r>
+              <a:rPr lang="en-US" sz="3600" dirty="0" err="1">
+                <a:solidFill>
+                  <a:srgbClr val="000000"/>
+                </a:solidFill>
+                <a:latin typeface="Rubik Medium"/>
+              </a:rPr>
+              <a:t>Pengajar</a:t>
+            </a:r>
+            <a:endParaRPr lang="en-US" sz="3600" dirty="0">
+              <a:solidFill>
+                <a:srgbClr val="000000"/>
+              </a:solidFill>
+              <a:latin typeface="Rubik Medium"/>
+            </a:endParaRPr>
+          </a:p>
+        </p:txBody>
+      </p:sp>
+      <p:sp>
+        <p:nvSpPr>
+          <p:cNvPr id="20" name="TextBox 20"/>
+          <p:cNvSpPr txBox="1"/>
+          <p:nvPr/>
+        </p:nvSpPr>
+        <p:spPr>
+          <a:xfrm>
+            <a:off x="9663698" y="4231434"/>
+            <a:ext cx="3308786" cy="619760"/>
+          </a:xfrm>
+          <a:prstGeom prst="rect">
+            <a:avLst/>
+          </a:prstGeom>
+        </p:spPr>
+        <p:txBody>
+          <a:bodyPr wrap="square" lIns="0" tIns="0" rIns="0" bIns="0" rtlCol="0" anchor="t">
+            <a:spAutoFit/>
+          </a:bodyPr>
+          <a:lstStyle/>
+          <a:p>
+            <a:pPr algn="ctr">
+              <a:lnSpc>
+                <a:spcPts val="5040"/>
+              </a:lnSpc>
+            </a:pPr>
+            <a:r>
+              <a:rPr lang="en-US" sz="3600" dirty="0">
+                <a:solidFill>
+                  <a:srgbClr val="000000"/>
+                </a:solidFill>
+                <a:latin typeface="Rubik Medium"/>
+              </a:rPr>
+              <a:t>Forum </a:t>
+            </a:r>
+            <a:r>
+              <a:rPr lang="en-US" sz="3600" dirty="0" err="1">
+                <a:solidFill>
+                  <a:srgbClr val="000000"/>
+                </a:solidFill>
+                <a:latin typeface="Rubik Medium"/>
+              </a:rPr>
+              <a:t>Diskusi</a:t>
+            </a:r>
+            <a:endParaRPr lang="en-US" sz="3600" dirty="0">
+              <a:solidFill>
+                <a:srgbClr val="000000"/>
+              </a:solidFill>
+              <a:latin typeface="Rubik Medium"/>
+            </a:endParaRPr>
+          </a:p>
+        </p:txBody>
+      </p:sp>
+      <p:sp>
+        <p:nvSpPr>
+          <p:cNvPr id="21" name="TextBox 21"/>
+          <p:cNvSpPr txBox="1"/>
+          <p:nvPr/>
+        </p:nvSpPr>
+        <p:spPr>
+          <a:xfrm>
+            <a:off x="13919630" y="4280015"/>
+            <a:ext cx="3633320" cy="619760"/>
           </a:xfrm>
           <a:prstGeom prst="rect">
             <a:avLst/>
@@ -3826,7 +3958,7 @@
                 </a:solidFill>
                 <a:latin typeface="Rubik Medium"/>
               </a:rPr>
-              <a:t>Profil</a:t>
+              <a:t>Tahukah</a:t>
             </a:r>
             <a:r>
               <a:rPr lang="en-US" sz="3600" dirty="0">
@@ -3835,21 +3967,39 @@
                 </a:solidFill>
                 <a:latin typeface="Rubik Medium"/>
               </a:rPr>
-              <a:t> Murid</a:t>
+              <a:t> </a:t>
+            </a:r>
+            <a:r>
+              <a:rPr lang="en-US" sz="3600" dirty="0" err="1">
+                <a:solidFill>
+                  <a:srgbClr val="000000"/>
+                </a:solidFill>
+                <a:latin typeface="Rubik Medium"/>
+              </a:rPr>
+              <a:t>Kamu</a:t>
+            </a:r>
+            <a:r>
+              <a:rPr lang="en-US" sz="3600" dirty="0">
+                <a:solidFill>
+                  <a:srgbClr val="000000"/>
+                </a:solidFill>
+                <a:latin typeface="Rubik Medium"/>
+              </a:rPr>
+              <a:t>?</a:t>
             </a:r>
           </a:p>
         </p:txBody>
       </p:sp>
       <p:sp>
         <p:nvSpPr>
-          <p:cNvPr id="19" name="TextBox 19"/>
+          <p:cNvPr id="22" name="TextBox 22"/>
           <p:cNvSpPr txBox="1"/>
           <p:nvPr/>
         </p:nvSpPr>
         <p:spPr>
           <a:xfrm>
-            <a:off x="5715000" y="4210216"/>
-            <a:ext cx="2907804" cy="619760"/>
+            <a:off x="1028700" y="5334662"/>
+            <a:ext cx="3918431" cy="2871014"/>
           </a:xfrm>
           <a:prstGeom prst="rect">
             <a:avLst/>
@@ -3861,48 +4011,555 @@
           </a:bodyPr>
           <a:lstStyle/>
           <a:p>
-            <a:pPr algn="ctr">
+            <a:pPr algn="just">
               <a:lnSpc>
-                <a:spcPts val="5040"/>
+                <a:spcPts val="2520"/>
               </a:lnSpc>
             </a:pPr>
             <a:r>
-              <a:rPr lang="en-US" sz="3600" dirty="0">
-                <a:solidFill>
-                  <a:srgbClr val="000000"/>
-                </a:solidFill>
-                <a:latin typeface="Rubik Medium"/>
-              </a:rPr>
-              <a:t>List </a:t>
-            </a:r>
-            <a:r>
-              <a:rPr lang="en-US" sz="3600" dirty="0" err="1">
-                <a:solidFill>
-                  <a:srgbClr val="000000"/>
-                </a:solidFill>
-                <a:latin typeface="Rubik Medium"/>
-              </a:rPr>
-              <a:t>Pengajar</a:t>
-            </a:r>
-            <a:endParaRPr lang="en-US" sz="3600" dirty="0">
-              <a:solidFill>
-                <a:srgbClr val="000000"/>
-              </a:solidFill>
-              <a:latin typeface="Rubik Medium"/>
-            </a:endParaRPr>
+              <a:rPr lang="en-US" sz="1800" dirty="0">
+                <a:solidFill>
+                  <a:srgbClr val="000000"/>
+                </a:solidFill>
+                <a:latin typeface="Rubik Light"/>
+              </a:rPr>
+              <a:t>Di </a:t>
+            </a:r>
+            <a:r>
+              <a:rPr lang="en-US" sz="1800" dirty="0" err="1">
+                <a:solidFill>
+                  <a:srgbClr val="000000"/>
+                </a:solidFill>
+                <a:latin typeface="Rubik Light"/>
+              </a:rPr>
+              <a:t>fitur</a:t>
+            </a:r>
+            <a:r>
+              <a:rPr lang="en-US" sz="1800" dirty="0">
+                <a:solidFill>
+                  <a:srgbClr val="000000"/>
+                </a:solidFill>
+                <a:latin typeface="Rubik Light"/>
+              </a:rPr>
+              <a:t> </a:t>
+            </a:r>
+            <a:r>
+              <a:rPr lang="en-US" sz="1800" dirty="0" err="1">
+                <a:solidFill>
+                  <a:srgbClr val="000000"/>
+                </a:solidFill>
+                <a:latin typeface="Rubik Light"/>
+              </a:rPr>
+              <a:t>ini</a:t>
+            </a:r>
+            <a:r>
+              <a:rPr lang="en-US" sz="1800" dirty="0">
+                <a:solidFill>
+                  <a:srgbClr val="000000"/>
+                </a:solidFill>
+                <a:latin typeface="Rubik Light"/>
+              </a:rPr>
+              <a:t> </a:t>
+            </a:r>
+            <a:r>
+              <a:rPr lang="en-US" sz="1800" dirty="0" err="1">
+                <a:solidFill>
+                  <a:srgbClr val="000000"/>
+                </a:solidFill>
+                <a:latin typeface="Rubik Light"/>
+              </a:rPr>
+              <a:t>selain</a:t>
+            </a:r>
+            <a:r>
+              <a:rPr lang="en-US" sz="1800" dirty="0">
+                <a:solidFill>
+                  <a:srgbClr val="000000"/>
+                </a:solidFill>
+                <a:latin typeface="Rubik Light"/>
+              </a:rPr>
+              <a:t> </a:t>
+            </a:r>
+            <a:r>
+              <a:rPr lang="en-US" sz="1800" dirty="0" err="1">
+                <a:solidFill>
+                  <a:srgbClr val="000000"/>
+                </a:solidFill>
+                <a:latin typeface="Rubik Light"/>
+              </a:rPr>
+              <a:t>menampung</a:t>
+            </a:r>
+            <a:r>
+              <a:rPr lang="en-US" sz="1800" dirty="0">
+                <a:solidFill>
+                  <a:srgbClr val="000000"/>
+                </a:solidFill>
+                <a:latin typeface="Rubik Light"/>
+              </a:rPr>
+              <a:t> </a:t>
+            </a:r>
+            <a:r>
+              <a:rPr lang="en-US" sz="1800" dirty="0" err="1">
+                <a:solidFill>
+                  <a:srgbClr val="000000"/>
+                </a:solidFill>
+                <a:latin typeface="Rubik Light"/>
+              </a:rPr>
+              <a:t>informasi</a:t>
+            </a:r>
+            <a:r>
+              <a:rPr lang="en-US" sz="1800" dirty="0">
+                <a:solidFill>
+                  <a:srgbClr val="000000"/>
+                </a:solidFill>
+                <a:latin typeface="Rubik Light"/>
+              </a:rPr>
+              <a:t> murid(</a:t>
+            </a:r>
+            <a:r>
+              <a:rPr lang="en-US" sz="1800" dirty="0" err="1">
+                <a:solidFill>
+                  <a:srgbClr val="000000"/>
+                </a:solidFill>
+                <a:latin typeface="Rubik Light"/>
+              </a:rPr>
+              <a:t>pengguna</a:t>
+            </a:r>
+            <a:r>
+              <a:rPr lang="en-US" sz="1800" dirty="0">
+                <a:solidFill>
+                  <a:srgbClr val="000000"/>
+                </a:solidFill>
+                <a:latin typeface="Rubik Light"/>
+              </a:rPr>
+              <a:t>), juga </a:t>
+            </a:r>
+            <a:r>
+              <a:rPr lang="en-US" sz="1800" dirty="0" err="1">
+                <a:solidFill>
+                  <a:srgbClr val="000000"/>
+                </a:solidFill>
+                <a:latin typeface="Rubik Light"/>
+              </a:rPr>
+              <a:t>menyediakan</a:t>
+            </a:r>
+            <a:r>
+              <a:rPr lang="en-US" sz="1800" dirty="0">
+                <a:solidFill>
+                  <a:srgbClr val="000000"/>
+                </a:solidFill>
+                <a:latin typeface="Rubik Light"/>
+              </a:rPr>
+              <a:t> </a:t>
+            </a:r>
+            <a:r>
+              <a:rPr lang="en-US" sz="1800" dirty="0" err="1">
+                <a:solidFill>
+                  <a:srgbClr val="000000"/>
+                </a:solidFill>
+                <a:latin typeface="Rubik Light"/>
+              </a:rPr>
+              <a:t>tampilan</a:t>
+            </a:r>
+            <a:r>
+              <a:rPr lang="en-US" sz="1800" dirty="0">
+                <a:solidFill>
+                  <a:srgbClr val="000000"/>
+                </a:solidFill>
+                <a:latin typeface="Rubik Light"/>
+              </a:rPr>
+              <a:t> timeline, </a:t>
+            </a:r>
+            <a:r>
+              <a:rPr lang="en-US" sz="1800" dirty="0" err="1">
+                <a:solidFill>
+                  <a:srgbClr val="000000"/>
+                </a:solidFill>
+                <a:latin typeface="Rubik Light"/>
+              </a:rPr>
+              <a:t>dimana</a:t>
+            </a:r>
+            <a:r>
+              <a:rPr lang="en-US" sz="1800" dirty="0">
+                <a:solidFill>
+                  <a:srgbClr val="000000"/>
+                </a:solidFill>
+                <a:latin typeface="Rubik Light"/>
+              </a:rPr>
+              <a:t> murid </a:t>
+            </a:r>
+            <a:r>
+              <a:rPr lang="en-US" sz="1800" dirty="0" err="1">
+                <a:solidFill>
+                  <a:srgbClr val="000000"/>
+                </a:solidFill>
+                <a:latin typeface="Rubik Light"/>
+              </a:rPr>
+              <a:t>dapat</a:t>
+            </a:r>
+            <a:r>
+              <a:rPr lang="en-US" sz="1800" dirty="0">
+                <a:solidFill>
+                  <a:srgbClr val="000000"/>
+                </a:solidFill>
+                <a:latin typeface="Rubik Light"/>
+              </a:rPr>
+              <a:t> </a:t>
+            </a:r>
+            <a:r>
+              <a:rPr lang="en-US" sz="1800" dirty="0" err="1">
+                <a:solidFill>
+                  <a:srgbClr val="000000"/>
+                </a:solidFill>
+                <a:latin typeface="Rubik Light"/>
+              </a:rPr>
+              <a:t>melihat</a:t>
+            </a:r>
+            <a:r>
+              <a:rPr lang="en-US" sz="1800" dirty="0">
+                <a:solidFill>
+                  <a:srgbClr val="000000"/>
+                </a:solidFill>
+                <a:latin typeface="Rubik Light"/>
+              </a:rPr>
+              <a:t> </a:t>
+            </a:r>
+            <a:r>
+              <a:rPr lang="en-US" sz="1800" dirty="0" err="1">
+                <a:solidFill>
+                  <a:srgbClr val="000000"/>
+                </a:solidFill>
+                <a:latin typeface="Rubik Light"/>
+              </a:rPr>
+              <a:t>postingan</a:t>
+            </a:r>
+            <a:r>
+              <a:rPr lang="en-US" sz="1800" dirty="0">
+                <a:solidFill>
+                  <a:srgbClr val="000000"/>
+                </a:solidFill>
+                <a:latin typeface="Rubik Light"/>
+              </a:rPr>
+              <a:t> yang </a:t>
+            </a:r>
+            <a:r>
+              <a:rPr lang="en-US" sz="1800" dirty="0" err="1">
+                <a:solidFill>
+                  <a:srgbClr val="000000"/>
+                </a:solidFill>
+                <a:latin typeface="Rubik Light"/>
+              </a:rPr>
+              <a:t>sebelumnya</a:t>
+            </a:r>
+            <a:r>
+              <a:rPr lang="en-US" sz="1800" dirty="0">
+                <a:solidFill>
+                  <a:srgbClr val="000000"/>
+                </a:solidFill>
+                <a:latin typeface="Rubik Light"/>
+              </a:rPr>
+              <a:t> </a:t>
+            </a:r>
+            <a:r>
+              <a:rPr lang="en-US" sz="1800" dirty="0" err="1">
+                <a:solidFill>
+                  <a:srgbClr val="000000"/>
+                </a:solidFill>
+                <a:latin typeface="Rubik Light"/>
+              </a:rPr>
+              <a:t>telah</a:t>
+            </a:r>
+            <a:r>
+              <a:rPr lang="en-US" sz="1800" dirty="0">
+                <a:solidFill>
+                  <a:srgbClr val="000000"/>
+                </a:solidFill>
+                <a:latin typeface="Rubik Light"/>
+              </a:rPr>
+              <a:t> </a:t>
+            </a:r>
+            <a:r>
+              <a:rPr lang="en-US" sz="1800" dirty="0" err="1">
+                <a:solidFill>
+                  <a:srgbClr val="000000"/>
+                </a:solidFill>
+                <a:latin typeface="Rubik Light"/>
+              </a:rPr>
+              <a:t>diupload</a:t>
+            </a:r>
+            <a:r>
+              <a:rPr lang="en-US" sz="1800" dirty="0">
+                <a:solidFill>
+                  <a:srgbClr val="000000"/>
+                </a:solidFill>
+                <a:latin typeface="Rubik Light"/>
+              </a:rPr>
+              <a:t> </a:t>
+            </a:r>
+            <a:r>
+              <a:rPr lang="en-US" sz="1800" dirty="0" err="1">
+                <a:solidFill>
+                  <a:srgbClr val="000000"/>
+                </a:solidFill>
+                <a:latin typeface="Rubik Light"/>
+              </a:rPr>
+              <a:t>olehnya</a:t>
+            </a:r>
+            <a:r>
+              <a:rPr lang="en-US" sz="1800" dirty="0">
+                <a:solidFill>
+                  <a:srgbClr val="000000"/>
+                </a:solidFill>
+                <a:latin typeface="Rubik Light"/>
+              </a:rPr>
+              <a:t> di </a:t>
+            </a:r>
+            <a:r>
+              <a:rPr lang="en-US" sz="1800" dirty="0" err="1">
+                <a:solidFill>
+                  <a:srgbClr val="000000"/>
+                </a:solidFill>
+                <a:latin typeface="Rubik Light"/>
+              </a:rPr>
+              <a:t>fitur</a:t>
+            </a:r>
+            <a:r>
+              <a:rPr lang="en-US" sz="1800" dirty="0">
+                <a:solidFill>
+                  <a:srgbClr val="000000"/>
+                </a:solidFill>
+                <a:latin typeface="Rubik Light"/>
+              </a:rPr>
+              <a:t> forum </a:t>
+            </a:r>
+            <a:r>
+              <a:rPr lang="en-US" sz="1800" dirty="0" err="1">
+                <a:solidFill>
+                  <a:srgbClr val="000000"/>
+                </a:solidFill>
+                <a:latin typeface="Rubik Light"/>
+              </a:rPr>
+              <a:t>diskusi</a:t>
+            </a:r>
+            <a:r>
+              <a:rPr lang="en-US" sz="1800" dirty="0">
+                <a:solidFill>
+                  <a:srgbClr val="000000"/>
+                </a:solidFill>
+                <a:latin typeface="Rubik Light"/>
+              </a:rPr>
+              <a:t>. </a:t>
+            </a:r>
+            <a:r>
+              <a:rPr lang="en-US" sz="1800" dirty="0" err="1">
+                <a:solidFill>
+                  <a:srgbClr val="000000"/>
+                </a:solidFill>
+                <a:latin typeface="Rubik Light"/>
+              </a:rPr>
+              <a:t>Selain</a:t>
+            </a:r>
+            <a:r>
+              <a:rPr lang="en-US" sz="1800" dirty="0">
+                <a:solidFill>
+                  <a:srgbClr val="000000"/>
+                </a:solidFill>
+                <a:latin typeface="Rubik Light"/>
+              </a:rPr>
+              <a:t> </a:t>
+            </a:r>
+            <a:r>
+              <a:rPr lang="en-US" sz="1800" dirty="0" err="1">
+                <a:solidFill>
+                  <a:srgbClr val="000000"/>
+                </a:solidFill>
+                <a:latin typeface="Rubik Light"/>
+              </a:rPr>
+              <a:t>itu</a:t>
+            </a:r>
+            <a:r>
+              <a:rPr lang="en-US" sz="1800" dirty="0">
+                <a:solidFill>
+                  <a:srgbClr val="000000"/>
+                </a:solidFill>
+                <a:latin typeface="Rubik Light"/>
+              </a:rPr>
+              <a:t>, murid </a:t>
+            </a:r>
+            <a:r>
+              <a:rPr lang="en-US" sz="1800" dirty="0" err="1">
+                <a:solidFill>
+                  <a:srgbClr val="000000"/>
+                </a:solidFill>
+                <a:latin typeface="Rubik Light"/>
+              </a:rPr>
+              <a:t>dapat</a:t>
+            </a:r>
+            <a:r>
+              <a:rPr lang="en-US" sz="1800" dirty="0">
+                <a:solidFill>
+                  <a:srgbClr val="000000"/>
+                </a:solidFill>
+                <a:latin typeface="Rubik Light"/>
+              </a:rPr>
+              <a:t> </a:t>
+            </a:r>
+            <a:r>
+              <a:rPr lang="en-US" sz="1800" dirty="0" err="1">
+                <a:solidFill>
+                  <a:srgbClr val="000000"/>
+                </a:solidFill>
+                <a:latin typeface="Rubik Light"/>
+              </a:rPr>
+              <a:t>mengakses</a:t>
+            </a:r>
+            <a:r>
+              <a:rPr lang="en-US" sz="1800" dirty="0">
+                <a:solidFill>
+                  <a:srgbClr val="000000"/>
+                </a:solidFill>
+                <a:latin typeface="Rubik Light"/>
+              </a:rPr>
+              <a:t> </a:t>
+            </a:r>
+            <a:r>
+              <a:rPr lang="en-US" sz="1800" dirty="0" err="1">
+                <a:solidFill>
+                  <a:srgbClr val="000000"/>
+                </a:solidFill>
+                <a:latin typeface="Rubik Light"/>
+              </a:rPr>
+              <a:t>kembali</a:t>
+            </a:r>
+            <a:r>
+              <a:rPr lang="en-US" sz="1800" dirty="0">
+                <a:solidFill>
+                  <a:srgbClr val="000000"/>
+                </a:solidFill>
+                <a:latin typeface="Rubik Light"/>
+              </a:rPr>
+              <a:t> </a:t>
+            </a:r>
+            <a:r>
+              <a:rPr lang="en-US" sz="1800" dirty="0" err="1">
+                <a:solidFill>
+                  <a:srgbClr val="000000"/>
+                </a:solidFill>
+                <a:latin typeface="Rubik Light"/>
+              </a:rPr>
+              <a:t>artikel</a:t>
+            </a:r>
+            <a:r>
+              <a:rPr lang="en-US" sz="1800" dirty="0">
+                <a:solidFill>
+                  <a:srgbClr val="000000"/>
+                </a:solidFill>
+                <a:latin typeface="Rubik Light"/>
+              </a:rPr>
+              <a:t> yang </a:t>
+            </a:r>
+            <a:r>
+              <a:rPr lang="en-US" sz="1800" dirty="0" err="1">
+                <a:solidFill>
+                  <a:srgbClr val="000000"/>
+                </a:solidFill>
+                <a:latin typeface="Rubik Light"/>
+              </a:rPr>
+              <a:t>telah</a:t>
+            </a:r>
+            <a:r>
+              <a:rPr lang="en-US" sz="1800" dirty="0">
+                <a:solidFill>
+                  <a:srgbClr val="000000"/>
+                </a:solidFill>
+                <a:latin typeface="Rubik Light"/>
+              </a:rPr>
+              <a:t> </a:t>
+            </a:r>
+            <a:r>
+              <a:rPr lang="en-US" sz="1800" dirty="0" err="1">
+                <a:solidFill>
+                  <a:srgbClr val="000000"/>
+                </a:solidFill>
+                <a:latin typeface="Rubik Light"/>
+              </a:rPr>
+              <a:t>disimpan</a:t>
+            </a:r>
+            <a:r>
+              <a:rPr lang="en-US" sz="1800" dirty="0">
+                <a:solidFill>
+                  <a:srgbClr val="000000"/>
+                </a:solidFill>
+                <a:latin typeface="Rubik Light"/>
+              </a:rPr>
+              <a:t> </a:t>
+            </a:r>
+            <a:r>
+              <a:rPr lang="en-US" sz="1800" dirty="0" err="1">
+                <a:solidFill>
+                  <a:srgbClr val="000000"/>
+                </a:solidFill>
+                <a:latin typeface="Rubik Light"/>
+              </a:rPr>
+              <a:t>dari</a:t>
+            </a:r>
+            <a:r>
+              <a:rPr lang="en-US" sz="1800" dirty="0">
+                <a:solidFill>
+                  <a:srgbClr val="000000"/>
+                </a:solidFill>
+                <a:latin typeface="Rubik Light"/>
+              </a:rPr>
+              <a:t> </a:t>
+            </a:r>
+            <a:r>
+              <a:rPr lang="en-US" sz="1800" dirty="0" err="1">
+                <a:solidFill>
+                  <a:srgbClr val="000000"/>
+                </a:solidFill>
+                <a:latin typeface="Rubik Light"/>
+              </a:rPr>
+              <a:t>fitur</a:t>
+            </a:r>
+            <a:r>
+              <a:rPr lang="en-US" sz="1800" dirty="0">
+                <a:solidFill>
+                  <a:srgbClr val="000000"/>
+                </a:solidFill>
+                <a:latin typeface="Rubik Light"/>
+              </a:rPr>
+              <a:t> </a:t>
+            </a:r>
+            <a:r>
+              <a:rPr lang="en-US" sz="1800" dirty="0" err="1">
+                <a:solidFill>
+                  <a:srgbClr val="000000"/>
+                </a:solidFill>
+                <a:latin typeface="Rubik Light"/>
+              </a:rPr>
+              <a:t>artikel</a:t>
+            </a:r>
+            <a:r>
+              <a:rPr lang="en-US" sz="1800" dirty="0">
+                <a:solidFill>
+                  <a:srgbClr val="000000"/>
+                </a:solidFill>
+                <a:latin typeface="Rubik Light"/>
+              </a:rPr>
+              <a:t>.</a:t>
+            </a:r>
           </a:p>
         </p:txBody>
       </p:sp>
       <p:sp>
         <p:nvSpPr>
-          <p:cNvPr id="20" name="TextBox 20"/>
+          <p:cNvPr id="23" name="TextBox 23"/>
           <p:cNvSpPr txBox="1"/>
           <p:nvPr/>
         </p:nvSpPr>
         <p:spPr>
           <a:xfrm>
-            <a:off x="9982200" y="4242698"/>
-            <a:ext cx="3127276" cy="619760"/>
+            <a:off x="5193700" y="2391200"/>
+            <a:ext cx="3918431" cy="1595855"/>
           </a:xfrm>
           <a:prstGeom prst="rect">
             <a:avLst/>
@@ -3914,48 +4571,33 @@
           </a:bodyPr>
           <a:lstStyle/>
           <a:p>
-            <a:pPr algn="ctr">
+            <a:pPr algn="just">
               <a:lnSpc>
-                <a:spcPts val="5040"/>
+                <a:spcPts val="2520"/>
               </a:lnSpc>
             </a:pPr>
             <a:r>
-              <a:rPr lang="en-US" sz="3600" dirty="0">
-                <a:solidFill>
-                  <a:srgbClr val="000000"/>
-                </a:solidFill>
-                <a:latin typeface="Rubik Medium"/>
-              </a:rPr>
-              <a:t>Forum </a:t>
-            </a:r>
-            <a:r>
-              <a:rPr lang="en-US" sz="3600" dirty="0" err="1">
-                <a:solidFill>
-                  <a:srgbClr val="000000"/>
-                </a:solidFill>
-                <a:latin typeface="Rubik Medium"/>
-              </a:rPr>
-              <a:t>Diskusi</a:t>
-            </a:r>
-            <a:endParaRPr lang="en-US" sz="3600" dirty="0">
-              <a:solidFill>
-                <a:srgbClr val="000000"/>
-              </a:solidFill>
-              <a:latin typeface="Rubik Medium"/>
-            </a:endParaRPr>
+              <a:rPr lang="en-US" sz="1800">
+                <a:solidFill>
+                  <a:srgbClr val="000000"/>
+                </a:solidFill>
+                <a:latin typeface="Rubik Light"/>
+              </a:rPr>
+              <a:t>Fitur ini menyediakan daftar pengajar yang tersedia dengan informasi lengkap , seperti; nama lengkap, umur, kualifikasi, dan mata pelajara yang diajarkan.</a:t>
+            </a:r>
           </a:p>
         </p:txBody>
       </p:sp>
       <p:sp>
         <p:nvSpPr>
-          <p:cNvPr id="21" name="TextBox 21"/>
+          <p:cNvPr id="24" name="TextBox 24"/>
           <p:cNvSpPr txBox="1"/>
           <p:nvPr/>
         </p:nvSpPr>
         <p:spPr>
           <a:xfrm>
-            <a:off x="13919631" y="4242698"/>
-            <a:ext cx="3633320" cy="619760"/>
+            <a:off x="9554436" y="5324234"/>
+            <a:ext cx="3918431" cy="1595855"/>
           </a:xfrm>
           <a:prstGeom prst="rect">
             <a:avLst/>
@@ -3967,33 +4609,49 @@
           </a:bodyPr>
           <a:lstStyle/>
           <a:p>
-            <a:pPr algn="ctr">
+            <a:pPr algn="just">
               <a:lnSpc>
-                <a:spcPts val="5040"/>
+                <a:spcPts val="2520"/>
               </a:lnSpc>
             </a:pPr>
             <a:r>
-              <a:rPr lang="en-US" sz="3600">
-                <a:solidFill>
-                  <a:srgbClr val="000000"/>
-                </a:solidFill>
-                <a:latin typeface="Rubik Medium"/>
-              </a:rPr>
-              <a:t>Tahukah Kamu?</a:t>
+              <a:rPr lang="en-US" sz="1800">
+                <a:solidFill>
+                  <a:srgbClr val="000000"/>
+                </a:solidFill>
+                <a:latin typeface="Rubik Light"/>
+              </a:rPr>
+              <a:t>Di sini pengguna dapat mengupload pertanyaan berupa soal ataupun gambar, yang dimana pengguna lain</a:t>
+            </a:r>
+          </a:p>
+          <a:p>
+            <a:pPr algn="just">
+              <a:lnSpc>
+                <a:spcPts val="2520"/>
+              </a:lnSpc>
+            </a:pPr>
+            <a:r>
+              <a:rPr lang="en-US" sz="1800">
+                <a:solidFill>
+                  <a:srgbClr val="000000"/>
+                </a:solidFill>
+                <a:latin typeface="Rubik Light"/>
+              </a:rPr>
+              <a:t>dapat langsung menjawab atau berdiskusi pada kolom komentar</a:t>
             </a:r>
           </a:p>
         </p:txBody>
       </p:sp>
       <p:sp>
         <p:nvSpPr>
-          <p:cNvPr id="22" name="TextBox 22"/>
+          <p:cNvPr id="25" name="TextBox 25"/>
           <p:cNvSpPr txBox="1"/>
           <p:nvPr/>
         </p:nvSpPr>
         <p:spPr>
           <a:xfrm>
-            <a:off x="1028700" y="5334662"/>
-            <a:ext cx="3918431" cy="2871014"/>
+            <a:off x="13777075" y="2713499"/>
+            <a:ext cx="3918431" cy="1277065"/>
           </a:xfrm>
           <a:prstGeom prst="rect">
             <a:avLst/>
@@ -4011,13 +4669,42 @@
               </a:lnSpc>
             </a:pPr>
             <a:r>
+              <a:rPr lang="en-US" dirty="0" err="1">
+                <a:solidFill>
+                  <a:srgbClr val="000000"/>
+                </a:solidFill>
+                <a:latin typeface="Rubik Light" panose="020B0604020202020204" charset="-79"/>
+                <a:cs typeface="Rubik Light" panose="020B0604020202020204" charset="-79"/>
+              </a:rPr>
+              <a:t>Berisi</a:t>
+            </a:r>
+            <a:r>
+              <a:rPr lang="id-ID" dirty="0">
+                <a:solidFill>
+                  <a:srgbClr val="000000"/>
+                </a:solidFill>
+                <a:latin typeface="Rubik Light"/>
+                <a:cs typeface="Rubik Light" panose="020B0604020202020204" charset="-79"/>
+              </a:rPr>
+              <a:t> </a:t>
+            </a:r>
+            <a:r>
+              <a:rPr lang="en-US" sz="1800" dirty="0" err="1">
+                <a:solidFill>
+                  <a:srgbClr val="000000"/>
+                </a:solidFill>
+                <a:latin typeface="Rubik Light"/>
+              </a:rPr>
+              <a:t>berita-berita</a:t>
+            </a:r>
+            <a:r>
               <a:rPr lang="en-US" sz="1800" dirty="0">
                 <a:solidFill>
                   <a:srgbClr val="000000"/>
                 </a:solidFill>
                 <a:latin typeface="Rubik Light"/>
               </a:rPr>
-              <a:t>Di </a:t>
+              <a:t> </a:t>
             </a:r>
             <a:r>
               <a:rPr lang="en-US" sz="1800" dirty="0" err="1">
@@ -4026,7 +4713,7 @@
                 </a:solidFill>
                 <a:latin typeface="Rubik Light"/>
               </a:rPr>
-              <a:t>fitur</a:t>
+              <a:t>terkini</a:t>
             </a:r>
             <a:r>
               <a:rPr lang="en-US" sz="1800" dirty="0">
@@ -4035,6 +4722,24 @@
                 </a:solidFill>
                 <a:latin typeface="Rubik Light"/>
               </a:rPr>
+              <a:t> yang </a:t>
+            </a:r>
+            <a:r>
+              <a:rPr lang="en-US" sz="1800" dirty="0" err="1">
+                <a:solidFill>
+                  <a:srgbClr val="000000"/>
+                </a:solidFill>
+                <a:latin typeface="Rubik Light"/>
+              </a:rPr>
+              <a:t>berkaitan</a:t>
+            </a:r>
+            <a:r>
+              <a:rPr lang="en-US" sz="1800" dirty="0">
+                <a:solidFill>
+                  <a:srgbClr val="000000"/>
+                </a:solidFill>
+                <a:latin typeface="Rubik Light"/>
+              </a:rPr>
               <a:t> </a:t>
             </a:r>
             <a:r>
@@ -4044,7 +4749,7 @@
                 </a:solidFill>
                 <a:latin typeface="Rubik Light"/>
               </a:rPr>
-              <a:t>ini</a:t>
+              <a:t>dengan</a:t>
             </a:r>
             <a:r>
               <a:rPr lang="en-US" sz="1800" dirty="0">
@@ -4062,7 +4767,7 @@
                 </a:solidFill>
                 <a:latin typeface="Rubik Light"/>
               </a:rPr>
-              <a:t>selain</a:t>
+              <a:t>bidang</a:t>
             </a:r>
             <a:r>
               <a:rPr lang="en-US" sz="1800" dirty="0">
@@ -4080,7 +4785,7 @@
                 </a:solidFill>
                 <a:latin typeface="Rubik Light"/>
               </a:rPr>
-              <a:t>menampung</a:t>
+              <a:t>pendidikan</a:t>
             </a:r>
             <a:r>
               <a:rPr lang="en-US" sz="1800" dirty="0">
@@ -4089,1028 +4794,7 @@
                 </a:solidFill>
                 <a:latin typeface="Rubik Light"/>
               </a:rPr>
-              <a:t> </a:t>
-            </a:r>
-            <a:r>
-              <a:rPr lang="en-US" sz="1800" dirty="0" err="1">
-                <a:solidFill>
-                  <a:srgbClr val="000000"/>
-                </a:solidFill>
-                <a:latin typeface="Rubik Light"/>
-              </a:rPr>
-              <a:t>informasi</a:t>
-            </a:r>
-            <a:r>
-              <a:rPr lang="en-US" sz="1800" dirty="0">
-                <a:solidFill>
-                  <a:srgbClr val="000000"/>
-                </a:solidFill>
-                <a:latin typeface="Rubik Light"/>
-              </a:rPr>
-              <a:t> murid(</a:t>
-            </a:r>
-            <a:r>
-              <a:rPr lang="en-US" sz="1800" dirty="0" err="1">
-                <a:solidFill>
-                  <a:srgbClr val="000000"/>
-                </a:solidFill>
-                <a:latin typeface="Rubik Light"/>
-              </a:rPr>
-              <a:t>pengguna</a:t>
-            </a:r>
-            <a:r>
-              <a:rPr lang="en-US" sz="1800" dirty="0">
-                <a:solidFill>
-                  <a:srgbClr val="000000"/>
-                </a:solidFill>
-                <a:latin typeface="Rubik Light"/>
-              </a:rPr>
-              <a:t>), juga </a:t>
-            </a:r>
-            <a:r>
-              <a:rPr lang="en-US" sz="1800" dirty="0" err="1">
-                <a:solidFill>
-                  <a:srgbClr val="000000"/>
-                </a:solidFill>
-                <a:latin typeface="Rubik Light"/>
-              </a:rPr>
-              <a:t>menyediakan</a:t>
-            </a:r>
-            <a:r>
-              <a:rPr lang="en-US" sz="1800" dirty="0">
-                <a:solidFill>
-                  <a:srgbClr val="000000"/>
-                </a:solidFill>
-                <a:latin typeface="Rubik Light"/>
-              </a:rPr>
-              <a:t> </a:t>
-            </a:r>
-            <a:r>
-              <a:rPr lang="en-US" sz="1800" dirty="0" err="1">
-                <a:solidFill>
-                  <a:srgbClr val="000000"/>
-                </a:solidFill>
-                <a:latin typeface="Rubik Light"/>
-              </a:rPr>
-              <a:t>tampilan</a:t>
-            </a:r>
-            <a:r>
-              <a:rPr lang="en-US" sz="1800" dirty="0">
-                <a:solidFill>
-                  <a:srgbClr val="000000"/>
-                </a:solidFill>
-                <a:latin typeface="Rubik Light"/>
-              </a:rPr>
-              <a:t> timeline, </a:t>
-            </a:r>
-            <a:r>
-              <a:rPr lang="en-US" sz="1800" dirty="0" err="1">
-                <a:solidFill>
-                  <a:srgbClr val="000000"/>
-                </a:solidFill>
-                <a:latin typeface="Rubik Light"/>
-              </a:rPr>
-              <a:t>dimana</a:t>
-            </a:r>
-            <a:r>
-              <a:rPr lang="en-US" sz="1800" dirty="0">
-                <a:solidFill>
-                  <a:srgbClr val="000000"/>
-                </a:solidFill>
-                <a:latin typeface="Rubik Light"/>
-              </a:rPr>
-              <a:t> murid </a:t>
-            </a:r>
-            <a:r>
-              <a:rPr lang="en-US" sz="1800" dirty="0" err="1">
-                <a:solidFill>
-                  <a:srgbClr val="000000"/>
-                </a:solidFill>
-                <a:latin typeface="Rubik Light"/>
-              </a:rPr>
-              <a:t>dapat</a:t>
-            </a:r>
-            <a:r>
-              <a:rPr lang="en-US" sz="1800" dirty="0">
-                <a:solidFill>
-                  <a:srgbClr val="000000"/>
-                </a:solidFill>
-                <a:latin typeface="Rubik Light"/>
-              </a:rPr>
-              <a:t> </a:t>
-            </a:r>
-            <a:r>
-              <a:rPr lang="en-US" sz="1800" dirty="0" err="1">
-                <a:solidFill>
-                  <a:srgbClr val="000000"/>
-                </a:solidFill>
-                <a:latin typeface="Rubik Light"/>
-              </a:rPr>
-              <a:t>melihat</a:t>
-            </a:r>
-            <a:r>
-              <a:rPr lang="en-US" sz="1800" dirty="0">
-                <a:solidFill>
-                  <a:srgbClr val="000000"/>
-                </a:solidFill>
-                <a:latin typeface="Rubik Light"/>
-              </a:rPr>
-              <a:t> </a:t>
-            </a:r>
-            <a:r>
-              <a:rPr lang="en-US" sz="1800" dirty="0" err="1">
-                <a:solidFill>
-                  <a:srgbClr val="000000"/>
-                </a:solidFill>
-                <a:latin typeface="Rubik Light"/>
-              </a:rPr>
-              <a:t>postingan</a:t>
-            </a:r>
-            <a:r>
-              <a:rPr lang="en-US" sz="1800" dirty="0">
-                <a:solidFill>
-                  <a:srgbClr val="000000"/>
-                </a:solidFill>
-                <a:latin typeface="Rubik Light"/>
-              </a:rPr>
-              <a:t> yang </a:t>
-            </a:r>
-            <a:r>
-              <a:rPr lang="en-US" sz="1800" dirty="0" err="1">
-                <a:solidFill>
-                  <a:srgbClr val="000000"/>
-                </a:solidFill>
-                <a:latin typeface="Rubik Light"/>
-              </a:rPr>
-              <a:t>sebelumnya</a:t>
-            </a:r>
-            <a:r>
-              <a:rPr lang="en-US" sz="1800" dirty="0">
-                <a:solidFill>
-                  <a:srgbClr val="000000"/>
-                </a:solidFill>
-                <a:latin typeface="Rubik Light"/>
-              </a:rPr>
-              <a:t> </a:t>
-            </a:r>
-            <a:r>
-              <a:rPr lang="en-US" sz="1800" dirty="0" err="1">
-                <a:solidFill>
-                  <a:srgbClr val="000000"/>
-                </a:solidFill>
-                <a:latin typeface="Rubik Light"/>
-              </a:rPr>
-              <a:t>telah</a:t>
-            </a:r>
-            <a:r>
-              <a:rPr lang="en-US" sz="1800" dirty="0">
-                <a:solidFill>
-                  <a:srgbClr val="000000"/>
-                </a:solidFill>
-                <a:latin typeface="Rubik Light"/>
-              </a:rPr>
-              <a:t> </a:t>
-            </a:r>
-            <a:r>
-              <a:rPr lang="en-US" sz="1800" dirty="0" err="1">
-                <a:solidFill>
-                  <a:srgbClr val="000000"/>
-                </a:solidFill>
-                <a:latin typeface="Rubik Light"/>
-              </a:rPr>
-              <a:t>diupload</a:t>
-            </a:r>
-            <a:r>
-              <a:rPr lang="en-US" sz="1800" dirty="0">
-                <a:solidFill>
-                  <a:srgbClr val="000000"/>
-                </a:solidFill>
-                <a:latin typeface="Rubik Light"/>
-              </a:rPr>
-              <a:t> </a:t>
-            </a:r>
-            <a:r>
-              <a:rPr lang="en-US" sz="1800" dirty="0" err="1">
-                <a:solidFill>
-                  <a:srgbClr val="000000"/>
-                </a:solidFill>
-                <a:latin typeface="Rubik Light"/>
-              </a:rPr>
-              <a:t>olehnya</a:t>
-            </a:r>
-            <a:r>
-              <a:rPr lang="en-US" sz="1800" dirty="0">
-                <a:solidFill>
-                  <a:srgbClr val="000000"/>
-                </a:solidFill>
-                <a:latin typeface="Rubik Light"/>
-              </a:rPr>
-              <a:t> di </a:t>
-            </a:r>
-            <a:r>
-              <a:rPr lang="en-US" sz="1800" dirty="0" err="1">
-                <a:solidFill>
-                  <a:srgbClr val="000000"/>
-                </a:solidFill>
-                <a:latin typeface="Rubik Light"/>
-              </a:rPr>
-              <a:t>fitur</a:t>
-            </a:r>
-            <a:r>
-              <a:rPr lang="en-US" sz="1800" dirty="0">
-                <a:solidFill>
-                  <a:srgbClr val="000000"/>
-                </a:solidFill>
-                <a:latin typeface="Rubik Light"/>
-              </a:rPr>
-              <a:t> forum </a:t>
-            </a:r>
-            <a:r>
-              <a:rPr lang="en-US" sz="1800" dirty="0" err="1">
-                <a:solidFill>
-                  <a:srgbClr val="000000"/>
-                </a:solidFill>
-                <a:latin typeface="Rubik Light"/>
-              </a:rPr>
-              <a:t>diskusi</a:t>
-            </a:r>
-            <a:r>
-              <a:rPr lang="en-US" sz="1800" dirty="0">
-                <a:solidFill>
-                  <a:srgbClr val="000000"/>
-                </a:solidFill>
-                <a:latin typeface="Rubik Light"/>
-              </a:rPr>
-              <a:t>. </a:t>
-            </a:r>
-            <a:r>
-              <a:rPr lang="en-US" sz="1800" dirty="0" err="1">
-                <a:solidFill>
-                  <a:srgbClr val="000000"/>
-                </a:solidFill>
-                <a:latin typeface="Rubik Light"/>
-              </a:rPr>
-              <a:t>Selain</a:t>
-            </a:r>
-            <a:r>
-              <a:rPr lang="en-US" sz="1800" dirty="0">
-                <a:solidFill>
-                  <a:srgbClr val="000000"/>
-                </a:solidFill>
-                <a:latin typeface="Rubik Light"/>
-              </a:rPr>
-              <a:t> </a:t>
-            </a:r>
-            <a:r>
-              <a:rPr lang="en-US" sz="1800" dirty="0" err="1">
-                <a:solidFill>
-                  <a:srgbClr val="000000"/>
-                </a:solidFill>
-                <a:latin typeface="Rubik Light"/>
-              </a:rPr>
-              <a:t>itu</a:t>
-            </a:r>
-            <a:r>
-              <a:rPr lang="en-US" sz="1800" dirty="0">
-                <a:solidFill>
-                  <a:srgbClr val="000000"/>
-                </a:solidFill>
-                <a:latin typeface="Rubik Light"/>
-              </a:rPr>
-              <a:t>, murid </a:t>
-            </a:r>
-            <a:r>
-              <a:rPr lang="en-US" sz="1800" dirty="0" err="1">
-                <a:solidFill>
-                  <a:srgbClr val="000000"/>
-                </a:solidFill>
-                <a:latin typeface="Rubik Light"/>
-              </a:rPr>
-              <a:t>dapat</a:t>
-            </a:r>
-            <a:r>
-              <a:rPr lang="en-US" sz="1800" dirty="0">
-                <a:solidFill>
-                  <a:srgbClr val="000000"/>
-                </a:solidFill>
-                <a:latin typeface="Rubik Light"/>
-              </a:rPr>
-              <a:t> </a:t>
-            </a:r>
-            <a:r>
-              <a:rPr lang="en-US" sz="1800" dirty="0" err="1">
-                <a:solidFill>
-                  <a:srgbClr val="000000"/>
-                </a:solidFill>
-                <a:latin typeface="Rubik Light"/>
-              </a:rPr>
-              <a:t>mengakses</a:t>
-            </a:r>
-            <a:r>
-              <a:rPr lang="en-US" sz="1800" dirty="0">
-                <a:solidFill>
-                  <a:srgbClr val="000000"/>
-                </a:solidFill>
-                <a:latin typeface="Rubik Light"/>
-              </a:rPr>
-              <a:t> </a:t>
-            </a:r>
-            <a:r>
-              <a:rPr lang="en-US" sz="1800" dirty="0" err="1">
-                <a:solidFill>
-                  <a:srgbClr val="000000"/>
-                </a:solidFill>
-                <a:latin typeface="Rubik Light"/>
-              </a:rPr>
-              <a:t>kembali</a:t>
-            </a:r>
-            <a:r>
-              <a:rPr lang="en-US" sz="1800" dirty="0">
-                <a:solidFill>
-                  <a:srgbClr val="000000"/>
-                </a:solidFill>
-                <a:latin typeface="Rubik Light"/>
-              </a:rPr>
-              <a:t> </a:t>
-            </a:r>
-            <a:r>
-              <a:rPr lang="en-US" sz="1800" dirty="0" err="1">
-                <a:solidFill>
-                  <a:srgbClr val="000000"/>
-                </a:solidFill>
-                <a:latin typeface="Rubik Light"/>
-              </a:rPr>
-              <a:t>artikel</a:t>
-            </a:r>
-            <a:r>
-              <a:rPr lang="en-US" sz="1800" dirty="0">
-                <a:solidFill>
-                  <a:srgbClr val="000000"/>
-                </a:solidFill>
-                <a:latin typeface="Rubik Light"/>
-              </a:rPr>
-              <a:t> yang </a:t>
-            </a:r>
-            <a:r>
-              <a:rPr lang="en-US" sz="1800" dirty="0" err="1">
-                <a:solidFill>
-                  <a:srgbClr val="000000"/>
-                </a:solidFill>
-                <a:latin typeface="Rubik Light"/>
-              </a:rPr>
-              <a:t>telah</a:t>
-            </a:r>
-            <a:r>
-              <a:rPr lang="en-US" sz="1800" dirty="0">
-                <a:solidFill>
-                  <a:srgbClr val="000000"/>
-                </a:solidFill>
-                <a:latin typeface="Rubik Light"/>
-              </a:rPr>
-              <a:t> </a:t>
-            </a:r>
-            <a:r>
-              <a:rPr lang="en-US" sz="1800" dirty="0" err="1">
-                <a:solidFill>
-                  <a:srgbClr val="000000"/>
-                </a:solidFill>
-                <a:latin typeface="Rubik Light"/>
-              </a:rPr>
-              <a:t>disimpan</a:t>
-            </a:r>
-            <a:r>
-              <a:rPr lang="en-US" sz="1800" dirty="0">
-                <a:solidFill>
-                  <a:srgbClr val="000000"/>
-                </a:solidFill>
-                <a:latin typeface="Rubik Light"/>
-              </a:rPr>
-              <a:t> </a:t>
-            </a:r>
-            <a:r>
-              <a:rPr lang="en-US" sz="1800" dirty="0" err="1">
-                <a:solidFill>
-                  <a:srgbClr val="000000"/>
-                </a:solidFill>
-                <a:latin typeface="Rubik Light"/>
-              </a:rPr>
-              <a:t>dari</a:t>
-            </a:r>
-            <a:r>
-              <a:rPr lang="en-US" sz="1800" dirty="0">
-                <a:solidFill>
-                  <a:srgbClr val="000000"/>
-                </a:solidFill>
-                <a:latin typeface="Rubik Light"/>
-              </a:rPr>
-              <a:t> </a:t>
-            </a:r>
-            <a:r>
-              <a:rPr lang="en-US" sz="1800" dirty="0" err="1">
-                <a:solidFill>
-                  <a:srgbClr val="000000"/>
-                </a:solidFill>
-                <a:latin typeface="Rubik Light"/>
-              </a:rPr>
-              <a:t>fitur</a:t>
-            </a:r>
-            <a:r>
-              <a:rPr lang="en-US" sz="1800" dirty="0">
-                <a:solidFill>
-                  <a:srgbClr val="000000"/>
-                </a:solidFill>
-                <a:latin typeface="Rubik Light"/>
-              </a:rPr>
-              <a:t> </a:t>
-            </a:r>
-            <a:r>
-              <a:rPr lang="en-US" sz="1800" dirty="0" err="1">
-                <a:solidFill>
-                  <a:srgbClr val="000000"/>
-                </a:solidFill>
-                <a:latin typeface="Rubik Light"/>
-              </a:rPr>
-              <a:t>artikel</a:t>
-            </a:r>
-            <a:r>
-              <a:rPr lang="en-US" sz="1800" dirty="0">
-                <a:solidFill>
-                  <a:srgbClr val="000000"/>
-                </a:solidFill>
-                <a:latin typeface="Rubik Light"/>
-              </a:rPr>
-              <a:t>.</a:t>
-            </a:r>
-          </a:p>
-        </p:txBody>
-      </p:sp>
-      <p:sp>
-        <p:nvSpPr>
-          <p:cNvPr id="23" name="TextBox 23"/>
-          <p:cNvSpPr txBox="1"/>
-          <p:nvPr/>
-        </p:nvSpPr>
-        <p:spPr>
-          <a:xfrm>
-            <a:off x="5193700" y="2391200"/>
-            <a:ext cx="3918431" cy="1595855"/>
-          </a:xfrm>
-          <a:prstGeom prst="rect">
-            <a:avLst/>
-          </a:prstGeom>
-        </p:spPr>
-        <p:txBody>
-          <a:bodyPr lIns="0" tIns="0" rIns="0" bIns="0" rtlCol="0" anchor="t">
-            <a:spAutoFit/>
-          </a:bodyPr>
-          <a:lstStyle/>
-          <a:p>
-            <a:pPr algn="just">
-              <a:lnSpc>
-                <a:spcPts val="2520"/>
-              </a:lnSpc>
-            </a:pPr>
-            <a:r>
-              <a:rPr lang="en-US" sz="1800" dirty="0" err="1">
-                <a:solidFill>
-                  <a:srgbClr val="000000"/>
-                </a:solidFill>
-                <a:latin typeface="Rubik Light"/>
-              </a:rPr>
-              <a:t>Fitur</a:t>
-            </a:r>
-            <a:r>
-              <a:rPr lang="en-US" sz="1800" dirty="0">
-                <a:solidFill>
-                  <a:srgbClr val="000000"/>
-                </a:solidFill>
-                <a:latin typeface="Rubik Light"/>
-              </a:rPr>
-              <a:t> </a:t>
-            </a:r>
-            <a:r>
-              <a:rPr lang="en-US" sz="1800" dirty="0" err="1">
-                <a:solidFill>
-                  <a:srgbClr val="000000"/>
-                </a:solidFill>
-                <a:latin typeface="Rubik Light"/>
-              </a:rPr>
-              <a:t>ini</a:t>
-            </a:r>
-            <a:r>
-              <a:rPr lang="en-US" sz="1800" dirty="0">
-                <a:solidFill>
-                  <a:srgbClr val="000000"/>
-                </a:solidFill>
-                <a:latin typeface="Rubik Light"/>
-              </a:rPr>
-              <a:t> </a:t>
-            </a:r>
-            <a:r>
-              <a:rPr lang="en-US" sz="1800" dirty="0" err="1">
-                <a:solidFill>
-                  <a:srgbClr val="000000"/>
-                </a:solidFill>
-                <a:latin typeface="Rubik Light"/>
-              </a:rPr>
-              <a:t>menyediakan</a:t>
-            </a:r>
-            <a:r>
-              <a:rPr lang="en-US" sz="1800" dirty="0">
-                <a:solidFill>
-                  <a:srgbClr val="000000"/>
-                </a:solidFill>
-                <a:latin typeface="Rubik Light"/>
-              </a:rPr>
-              <a:t> </a:t>
-            </a:r>
-            <a:r>
-              <a:rPr lang="en-US" sz="1800" dirty="0" err="1">
-                <a:solidFill>
-                  <a:srgbClr val="000000"/>
-                </a:solidFill>
-                <a:latin typeface="Rubik Light"/>
-              </a:rPr>
-              <a:t>daftar</a:t>
-            </a:r>
-            <a:r>
-              <a:rPr lang="en-US" sz="1800" dirty="0">
-                <a:solidFill>
-                  <a:srgbClr val="000000"/>
-                </a:solidFill>
-                <a:latin typeface="Rubik Light"/>
-              </a:rPr>
-              <a:t> </a:t>
-            </a:r>
-            <a:r>
-              <a:rPr lang="en-US" sz="1800" dirty="0" err="1">
-                <a:solidFill>
-                  <a:srgbClr val="000000"/>
-                </a:solidFill>
-                <a:latin typeface="Rubik Light"/>
-              </a:rPr>
-              <a:t>pengajar</a:t>
-            </a:r>
-            <a:r>
-              <a:rPr lang="en-US" sz="1800" dirty="0">
-                <a:solidFill>
-                  <a:srgbClr val="000000"/>
-                </a:solidFill>
-                <a:latin typeface="Rubik Light"/>
-              </a:rPr>
-              <a:t> yang </a:t>
-            </a:r>
-            <a:r>
-              <a:rPr lang="en-US" sz="1800" dirty="0" err="1">
-                <a:solidFill>
-                  <a:srgbClr val="000000"/>
-                </a:solidFill>
-                <a:latin typeface="Rubik Light"/>
-              </a:rPr>
-              <a:t>tersedia</a:t>
-            </a:r>
-            <a:r>
-              <a:rPr lang="en-US" sz="1800" dirty="0">
-                <a:solidFill>
-                  <a:srgbClr val="000000"/>
-                </a:solidFill>
-                <a:latin typeface="Rubik Light"/>
-              </a:rPr>
-              <a:t> </a:t>
-            </a:r>
-            <a:r>
-              <a:rPr lang="en-US" sz="1800" dirty="0" err="1">
-                <a:solidFill>
-                  <a:srgbClr val="000000"/>
-                </a:solidFill>
-                <a:latin typeface="Rubik Light"/>
-              </a:rPr>
-              <a:t>dengan</a:t>
-            </a:r>
-            <a:r>
-              <a:rPr lang="en-US" sz="1800" dirty="0">
-                <a:solidFill>
-                  <a:srgbClr val="000000"/>
-                </a:solidFill>
-                <a:latin typeface="Rubik Light"/>
-              </a:rPr>
-              <a:t> </a:t>
-            </a:r>
-            <a:r>
-              <a:rPr lang="en-US" sz="1800" dirty="0" err="1">
-                <a:solidFill>
-                  <a:srgbClr val="000000"/>
-                </a:solidFill>
-                <a:latin typeface="Rubik Light"/>
-              </a:rPr>
-              <a:t>informasi</a:t>
-            </a:r>
-            <a:r>
-              <a:rPr lang="en-US" sz="1800" dirty="0">
-                <a:solidFill>
-                  <a:srgbClr val="000000"/>
-                </a:solidFill>
-                <a:latin typeface="Rubik Light"/>
-              </a:rPr>
-              <a:t> </a:t>
-            </a:r>
-            <a:r>
-              <a:rPr lang="en-US" sz="1800" dirty="0" err="1" smtClean="0">
-                <a:solidFill>
-                  <a:srgbClr val="000000"/>
-                </a:solidFill>
-                <a:latin typeface="Rubik Light"/>
-              </a:rPr>
-              <a:t>lengkap</a:t>
-            </a:r>
-            <a:r>
-              <a:rPr lang="en-US" sz="1800" dirty="0" smtClean="0">
-                <a:solidFill>
-                  <a:srgbClr val="000000"/>
-                </a:solidFill>
-                <a:latin typeface="Rubik Light"/>
-              </a:rPr>
-              <a:t>, </a:t>
-            </a:r>
-            <a:r>
-              <a:rPr lang="en-US" sz="1800" dirty="0" err="1">
-                <a:solidFill>
-                  <a:srgbClr val="000000"/>
-                </a:solidFill>
-                <a:latin typeface="Rubik Light"/>
-              </a:rPr>
-              <a:t>seperti</a:t>
-            </a:r>
-            <a:r>
-              <a:rPr lang="en-US" sz="1800" dirty="0">
-                <a:solidFill>
-                  <a:srgbClr val="000000"/>
-                </a:solidFill>
-                <a:latin typeface="Rubik Light"/>
-              </a:rPr>
-              <a:t>; </a:t>
-            </a:r>
-            <a:r>
-              <a:rPr lang="en-US" sz="1800" dirty="0" err="1">
-                <a:solidFill>
-                  <a:srgbClr val="000000"/>
-                </a:solidFill>
-                <a:latin typeface="Rubik Light"/>
-              </a:rPr>
-              <a:t>nama</a:t>
-            </a:r>
-            <a:r>
-              <a:rPr lang="en-US" sz="1800" dirty="0">
-                <a:solidFill>
-                  <a:srgbClr val="000000"/>
-                </a:solidFill>
-                <a:latin typeface="Rubik Light"/>
-              </a:rPr>
-              <a:t> </a:t>
-            </a:r>
-            <a:r>
-              <a:rPr lang="en-US" sz="1800" dirty="0" err="1">
-                <a:solidFill>
-                  <a:srgbClr val="000000"/>
-                </a:solidFill>
-                <a:latin typeface="Rubik Light"/>
-              </a:rPr>
-              <a:t>lengkap</a:t>
-            </a:r>
-            <a:r>
-              <a:rPr lang="en-US" sz="1800" dirty="0">
-                <a:solidFill>
-                  <a:srgbClr val="000000"/>
-                </a:solidFill>
-                <a:latin typeface="Rubik Light"/>
-              </a:rPr>
-              <a:t>, </a:t>
-            </a:r>
-            <a:r>
-              <a:rPr lang="en-US" sz="1800" dirty="0" err="1">
-                <a:solidFill>
-                  <a:srgbClr val="000000"/>
-                </a:solidFill>
-                <a:latin typeface="Rubik Light"/>
-              </a:rPr>
-              <a:t>umur</a:t>
-            </a:r>
-            <a:r>
-              <a:rPr lang="en-US" sz="1800" dirty="0">
-                <a:solidFill>
-                  <a:srgbClr val="000000"/>
-                </a:solidFill>
-                <a:latin typeface="Rubik Light"/>
-              </a:rPr>
-              <a:t>, </a:t>
-            </a:r>
-            <a:r>
-              <a:rPr lang="en-US" sz="1800" dirty="0" err="1">
-                <a:solidFill>
-                  <a:srgbClr val="000000"/>
-                </a:solidFill>
-                <a:latin typeface="Rubik Light"/>
-              </a:rPr>
-              <a:t>kualifikasi</a:t>
-            </a:r>
-            <a:r>
-              <a:rPr lang="en-US" sz="1800" dirty="0">
-                <a:solidFill>
-                  <a:srgbClr val="000000"/>
-                </a:solidFill>
-                <a:latin typeface="Rubik Light"/>
-              </a:rPr>
-              <a:t>, </a:t>
-            </a:r>
-            <a:r>
-              <a:rPr lang="en-US" sz="1800" dirty="0" err="1">
-                <a:solidFill>
-                  <a:srgbClr val="000000"/>
-                </a:solidFill>
-                <a:latin typeface="Rubik Light"/>
-              </a:rPr>
-              <a:t>dan</a:t>
-            </a:r>
-            <a:r>
-              <a:rPr lang="en-US" sz="1800" dirty="0">
-                <a:solidFill>
-                  <a:srgbClr val="000000"/>
-                </a:solidFill>
-                <a:latin typeface="Rubik Light"/>
-              </a:rPr>
-              <a:t> </a:t>
-            </a:r>
-            <a:r>
-              <a:rPr lang="en-US" sz="1800" dirty="0" err="1">
-                <a:solidFill>
-                  <a:srgbClr val="000000"/>
-                </a:solidFill>
-                <a:latin typeface="Rubik Light"/>
-              </a:rPr>
-              <a:t>mata</a:t>
-            </a:r>
-            <a:r>
-              <a:rPr lang="en-US" sz="1800" dirty="0">
-                <a:solidFill>
-                  <a:srgbClr val="000000"/>
-                </a:solidFill>
-                <a:latin typeface="Rubik Light"/>
-              </a:rPr>
-              <a:t> </a:t>
-            </a:r>
-            <a:r>
-              <a:rPr lang="en-US" sz="1800" dirty="0" err="1">
-                <a:solidFill>
-                  <a:srgbClr val="000000"/>
-                </a:solidFill>
-                <a:latin typeface="Rubik Light"/>
-              </a:rPr>
-              <a:t>pelajara</a:t>
-            </a:r>
-            <a:r>
-              <a:rPr lang="en-US" sz="1800" dirty="0">
-                <a:solidFill>
-                  <a:srgbClr val="000000"/>
-                </a:solidFill>
-                <a:latin typeface="Rubik Light"/>
-              </a:rPr>
-              <a:t> yang </a:t>
-            </a:r>
-            <a:r>
-              <a:rPr lang="en-US" sz="1800" dirty="0" err="1">
-                <a:solidFill>
-                  <a:srgbClr val="000000"/>
-                </a:solidFill>
-                <a:latin typeface="Rubik Light"/>
-              </a:rPr>
-              <a:t>diajarkan</a:t>
-            </a:r>
-            <a:r>
-              <a:rPr lang="en-US" sz="1800" dirty="0">
-                <a:solidFill>
-                  <a:srgbClr val="000000"/>
-                </a:solidFill>
-                <a:latin typeface="Rubik Light"/>
-              </a:rPr>
-              <a:t>.</a:t>
-            </a:r>
-          </a:p>
-        </p:txBody>
-      </p:sp>
-      <p:sp>
-        <p:nvSpPr>
-          <p:cNvPr id="24" name="TextBox 24"/>
-          <p:cNvSpPr txBox="1"/>
-          <p:nvPr/>
-        </p:nvSpPr>
-        <p:spPr>
-          <a:xfrm>
-            <a:off x="9554436" y="5324234"/>
-            <a:ext cx="3918431" cy="1595855"/>
-          </a:xfrm>
-          <a:prstGeom prst="rect">
-            <a:avLst/>
-          </a:prstGeom>
-        </p:spPr>
-        <p:txBody>
-          <a:bodyPr lIns="0" tIns="0" rIns="0" bIns="0" rtlCol="0" anchor="t">
-            <a:spAutoFit/>
-          </a:bodyPr>
-          <a:lstStyle/>
-          <a:p>
-            <a:pPr algn="just">
-              <a:lnSpc>
-                <a:spcPts val="2520"/>
-              </a:lnSpc>
-            </a:pPr>
-            <a:r>
-              <a:rPr lang="en-US" sz="1800">
-                <a:solidFill>
-                  <a:srgbClr val="000000"/>
-                </a:solidFill>
-                <a:latin typeface="Rubik Light"/>
-              </a:rPr>
-              <a:t>Di sini pengguna dapat mengupload pertanyaan berupa soal ataupun gambar, yang dimana pengguna lain</a:t>
-            </a:r>
-          </a:p>
-          <a:p>
-            <a:pPr algn="just">
-              <a:lnSpc>
-                <a:spcPts val="2520"/>
-              </a:lnSpc>
-            </a:pPr>
-            <a:r>
-              <a:rPr lang="en-US" sz="1800">
-                <a:solidFill>
-                  <a:srgbClr val="000000"/>
-                </a:solidFill>
-                <a:latin typeface="Rubik Light"/>
-              </a:rPr>
-              <a:t>dapat langsung menjawab atau berdiskusi pada kolom komentar</a:t>
-            </a:r>
-          </a:p>
-        </p:txBody>
-      </p:sp>
-      <p:sp>
-        <p:nvSpPr>
-          <p:cNvPr id="25" name="TextBox 25"/>
-          <p:cNvSpPr txBox="1"/>
-          <p:nvPr/>
-        </p:nvSpPr>
-        <p:spPr>
-          <a:xfrm>
-            <a:off x="13777075" y="2713499"/>
-            <a:ext cx="3918431" cy="1277065"/>
-          </a:xfrm>
-          <a:prstGeom prst="rect">
-            <a:avLst/>
-          </a:prstGeom>
-        </p:spPr>
-        <p:txBody>
-          <a:bodyPr lIns="0" tIns="0" rIns="0" bIns="0" rtlCol="0" anchor="t">
-            <a:spAutoFit/>
-          </a:bodyPr>
-          <a:lstStyle/>
-          <a:p>
-            <a:pPr algn="just">
-              <a:lnSpc>
-                <a:spcPts val="2520"/>
-              </a:lnSpc>
-            </a:pPr>
-            <a:r>
-              <a:rPr lang="en-US" dirty="0" err="1">
-                <a:solidFill>
-                  <a:srgbClr val="000000"/>
-                </a:solidFill>
-                <a:latin typeface="Rubik Light"/>
-              </a:rPr>
-              <a:t>B</a:t>
-            </a:r>
-            <a:r>
-              <a:rPr lang="en-US" sz="1800" dirty="0" err="1" smtClean="0">
-                <a:solidFill>
-                  <a:srgbClr val="000000"/>
-                </a:solidFill>
-                <a:latin typeface="Rubik Light"/>
-              </a:rPr>
-              <a:t>erita-berita</a:t>
-            </a:r>
-            <a:r>
-              <a:rPr lang="en-US" sz="1800" dirty="0" smtClean="0">
-                <a:solidFill>
-                  <a:srgbClr val="000000"/>
-                </a:solidFill>
-                <a:latin typeface="Rubik Light"/>
-              </a:rPr>
-              <a:t> </a:t>
-            </a:r>
-            <a:r>
-              <a:rPr lang="en-US" sz="1800" dirty="0" err="1">
-                <a:solidFill>
-                  <a:srgbClr val="000000"/>
-                </a:solidFill>
-                <a:latin typeface="Rubik Light"/>
-              </a:rPr>
-              <a:t>terkini</a:t>
-            </a:r>
-            <a:r>
-              <a:rPr lang="en-US" sz="1800" dirty="0">
-                <a:solidFill>
-                  <a:srgbClr val="000000"/>
-                </a:solidFill>
-                <a:latin typeface="Rubik Light"/>
-              </a:rPr>
-              <a:t> yang </a:t>
-            </a:r>
-            <a:r>
-              <a:rPr lang="en-US" sz="1800" dirty="0" err="1">
-                <a:solidFill>
-                  <a:srgbClr val="000000"/>
-                </a:solidFill>
-                <a:latin typeface="Rubik Light"/>
-              </a:rPr>
-              <a:t>berkaitan</a:t>
-            </a:r>
-            <a:r>
-              <a:rPr lang="en-US" sz="1800" dirty="0">
-                <a:solidFill>
-                  <a:srgbClr val="000000"/>
-                </a:solidFill>
-                <a:latin typeface="Rubik Light"/>
-              </a:rPr>
-              <a:t> </a:t>
-            </a:r>
-            <a:r>
-              <a:rPr lang="en-US" sz="1800" dirty="0" err="1">
-                <a:solidFill>
-                  <a:srgbClr val="000000"/>
-                </a:solidFill>
-                <a:latin typeface="Rubik Light"/>
-              </a:rPr>
-              <a:t>dengan</a:t>
-            </a:r>
-            <a:r>
-              <a:rPr lang="en-US" sz="1800" dirty="0">
-                <a:solidFill>
-                  <a:srgbClr val="000000"/>
-                </a:solidFill>
-                <a:latin typeface="Rubik Light"/>
-              </a:rPr>
-              <a:t> </a:t>
-            </a:r>
-            <a:r>
-              <a:rPr lang="en-US" sz="1800" dirty="0" err="1">
-                <a:solidFill>
-                  <a:srgbClr val="000000"/>
-                </a:solidFill>
-                <a:latin typeface="Rubik Light"/>
-              </a:rPr>
-              <a:t>bidang</a:t>
-            </a:r>
-            <a:r>
-              <a:rPr lang="en-US" sz="1800" dirty="0">
-                <a:solidFill>
-                  <a:srgbClr val="000000"/>
-                </a:solidFill>
-                <a:latin typeface="Rubik Light"/>
-              </a:rPr>
-              <a:t> </a:t>
-            </a:r>
-            <a:r>
-              <a:rPr lang="en-US" sz="1800" dirty="0" err="1">
-                <a:solidFill>
-                  <a:srgbClr val="000000"/>
-                </a:solidFill>
-                <a:latin typeface="Rubik Light"/>
-              </a:rPr>
-              <a:t>pendidikan</a:t>
-            </a:r>
-            <a:r>
-              <a:rPr lang="en-US" sz="1800" dirty="0">
-                <a:solidFill>
-                  <a:srgbClr val="000000"/>
-                </a:solidFill>
-                <a:latin typeface="Rubik Light"/>
-              </a:rPr>
-              <a:t>, </a:t>
-            </a:r>
-            <a:r>
-              <a:rPr lang="en-US" sz="1800" dirty="0" err="1">
-                <a:solidFill>
-                  <a:srgbClr val="000000"/>
-                </a:solidFill>
-                <a:latin typeface="Rubik Light"/>
-              </a:rPr>
-              <a:t>dan</a:t>
-            </a:r>
-            <a:r>
-              <a:rPr lang="en-US" sz="1800" dirty="0">
-                <a:solidFill>
-                  <a:srgbClr val="000000"/>
-                </a:solidFill>
-                <a:latin typeface="Rubik Light"/>
-              </a:rPr>
-              <a:t> juga </a:t>
+              <a:t>, dan juga </a:t>
             </a:r>
             <a:r>
               <a:rPr lang="en-US" sz="1800" dirty="0" err="1">
@@ -7059,8 +6743,95 @@
         </p:nvSpPr>
         <p:spPr>
           <a:xfrm>
-            <a:off x="5261193" y="7136209"/>
-            <a:ext cx="3043636" cy="803306"/>
+            <a:off x="4727306" y="7125190"/>
+            <a:ext cx="4111407" cy="846386"/>
+          </a:xfrm>
+          <a:prstGeom prst="rect">
+            <a:avLst/>
+          </a:prstGeom>
+        </p:spPr>
+        <p:txBody>
+          <a:bodyPr wrap="square" lIns="0" tIns="0" rIns="0" bIns="0" rtlCol="0" anchor="t">
+            <a:spAutoFit/>
+          </a:bodyPr>
+          <a:lstStyle/>
+          <a:p>
+            <a:pPr algn="ctr">
+              <a:lnSpc>
+                <a:spcPts val="3250"/>
+              </a:lnSpc>
+            </a:pPr>
+            <a:r>
+              <a:rPr lang="en-US" sz="2500" spc="100" dirty="0" err="1">
+                <a:solidFill>
+                  <a:srgbClr val="FFFFFF"/>
+                </a:solidFill>
+                <a:latin typeface="Open Sauce Light Bold"/>
+              </a:rPr>
+              <a:t>Annisa</a:t>
+            </a:r>
+            <a:r>
+              <a:rPr lang="en-US" sz="2500" spc="100" dirty="0">
+                <a:solidFill>
+                  <a:srgbClr val="FFFFFF"/>
+                </a:solidFill>
+                <a:latin typeface="Open Sauce Light Bold"/>
+              </a:rPr>
+              <a:t> </a:t>
+            </a:r>
+            <a:r>
+              <a:rPr lang="en-US" sz="2500" spc="100" dirty="0" err="1" smtClean="0">
+                <a:solidFill>
+                  <a:srgbClr val="FFFFFF"/>
+                </a:solidFill>
+                <a:latin typeface="Open Sauce Light Bold"/>
+              </a:rPr>
+              <a:t>Ajeng</a:t>
+            </a:r>
+            <a:r>
+              <a:rPr lang="en-US" sz="2500" spc="100" dirty="0" smtClean="0">
+                <a:solidFill>
+                  <a:srgbClr val="FFFFFF"/>
+                </a:solidFill>
+                <a:latin typeface="Open Sauce Light Bold"/>
+              </a:rPr>
+              <a:t> </a:t>
+            </a:r>
+            <a:endParaRPr lang="en-US" sz="2500" spc="100" dirty="0">
+              <a:solidFill>
+                <a:srgbClr val="FFFFFF"/>
+              </a:solidFill>
+              <a:latin typeface="Open Sauce Light Bold"/>
+            </a:endParaRPr>
+          </a:p>
+          <a:p>
+            <a:pPr algn="ctr">
+              <a:lnSpc>
+                <a:spcPts val="3250"/>
+              </a:lnSpc>
+            </a:pPr>
+            <a:r>
+              <a:rPr lang="en-US" sz="2500" spc="100" dirty="0">
+                <a:solidFill>
+                  <a:srgbClr val="FFFFFF"/>
+                </a:solidFill>
+                <a:latin typeface="Open Sauce Light Bold"/>
+              </a:rPr>
+              <a:t>J3C219136</a:t>
+            </a:r>
+          </a:p>
+        </p:txBody>
+      </p:sp>
+      <p:sp>
+        <p:nvSpPr>
+          <p:cNvPr id="4" name="TextBox 4"/>
+          <p:cNvSpPr txBox="1"/>
+          <p:nvPr/>
+        </p:nvSpPr>
+        <p:spPr>
+          <a:xfrm>
+            <a:off x="1028700" y="7140457"/>
+            <a:ext cx="2946359" cy="814325"/>
           </a:xfrm>
           <a:prstGeom prst="rect">
             <a:avLst/>
@@ -7078,60 +6849,6 @@
               </a:lnSpc>
             </a:pPr>
             <a:r>
-              <a:rPr lang="en-US" sz="2500" spc="100">
-                <a:solidFill>
-                  <a:srgbClr val="FFFFFF"/>
-                </a:solidFill>
-                <a:latin typeface="Open Sauce Light Bold"/>
-              </a:rPr>
-              <a:t>Annisa Ajeng </a:t>
-            </a:r>
-          </a:p>
-          <a:p>
-            <a:pPr algn="ctr">
-              <a:lnSpc>
-                <a:spcPts val="3250"/>
-              </a:lnSpc>
-            </a:pPr>
-            <a:r>
-              <a:rPr lang="en-US" sz="2500" spc="100">
-                <a:solidFill>
-                  <a:srgbClr val="FFFFFF"/>
-                </a:solidFill>
-                <a:latin typeface="Open Sauce Light Bold"/>
-              </a:rPr>
-              <a:t>J3C219136</a:t>
-            </a:r>
-          </a:p>
-        </p:txBody>
-      </p:sp>
-      <p:sp>
-        <p:nvSpPr>
-          <p:cNvPr id="4" name="TextBox 4"/>
-          <p:cNvSpPr txBox="1"/>
-          <p:nvPr/>
-        </p:nvSpPr>
-        <p:spPr>
-          <a:xfrm>
-            <a:off x="1028700" y="7140457"/>
-            <a:ext cx="2946359" cy="814325"/>
-          </a:xfrm>
-          <a:prstGeom prst="rect">
-            <a:avLst/>
-          </a:prstGeom>
-        </p:spPr>
-        <p:txBody>
-          <a:bodyPr lIns="0" tIns="0" rIns="0" bIns="0" rtlCol="0" anchor="t">
-            <a:spAutoFit/>
-          </a:bodyPr>
-          <a:lstStyle/>
-          <a:p>
-            <a:pPr algn="ctr">
-              <a:lnSpc>
-                <a:spcPts val="3250"/>
-              </a:lnSpc>
-            </a:pPr>
-            <a:r>
               <a:rPr lang="en-US" sz="2500" spc="100" dirty="0" err="1">
                 <a:solidFill>
                   <a:srgbClr val="FFFFFF"/>
@@ -7193,15 +6910,15 @@
         </p:nvSpPr>
         <p:spPr>
           <a:xfrm>
-            <a:off x="10007490" y="7136209"/>
-            <a:ext cx="3019317" cy="803306"/>
+            <a:off x="9815293" y="7138333"/>
+            <a:ext cx="3403710" cy="814325"/>
           </a:xfrm>
           <a:prstGeom prst="rect">
             <a:avLst/>
           </a:prstGeom>
         </p:spPr>
         <p:txBody>
-          <a:bodyPr lIns="0" tIns="0" rIns="0" bIns="0" rtlCol="0" anchor="t">
+          <a:bodyPr wrap="square" lIns="0" tIns="0" rIns="0" bIns="0" rtlCol="0" anchor="t">
             <a:spAutoFit/>
           </a:bodyPr>
           <a:lstStyle/>
@@ -7212,15 +6929,70 @@
               </a:lnSpc>
             </a:pPr>
             <a:r>
-              <a:rPr lang="en-US" sz="2500" spc="100">
+              <a:rPr lang="en-US" sz="2500" spc="100" dirty="0">
                 <a:solidFill>
                   <a:srgbClr val="FFFFFF"/>
                 </a:solidFill>
                 <a:latin typeface="Open Sauce Light Bold"/>
               </a:rPr>
-              <a:t>Saskia Rifqah</a:t>
-            </a:r>
-          </a:p>
+              <a:t>Saskia </a:t>
+            </a:r>
+            <a:r>
+              <a:rPr lang="en-US" sz="2500" spc="100" dirty="0" err="1">
+                <a:solidFill>
+                  <a:srgbClr val="FFFFFF"/>
+                </a:solidFill>
+                <a:latin typeface="Open Sauce Light Bold"/>
+              </a:rPr>
+              <a:t>Rifqah</a:t>
+            </a:r>
+            <a:r>
+              <a:rPr lang="id-ID" sz="2500" spc="100" dirty="0">
+                <a:solidFill>
+                  <a:srgbClr val="FFFFFF"/>
+                </a:solidFill>
+                <a:latin typeface="Open Sauce Light Bold"/>
+              </a:rPr>
+              <a:t> </a:t>
+            </a:r>
+            <a:r>
+              <a:rPr lang="en-US" sz="2500" spc="100" dirty="0" smtClean="0">
+                <a:solidFill>
+                  <a:srgbClr val="FFFFFF"/>
+                </a:solidFill>
+                <a:latin typeface="Open Sauce Light Bold"/>
+              </a:rPr>
+              <a:t>J3C219178</a:t>
+            </a:r>
+            <a:endParaRPr lang="en-US" sz="2500" spc="100" dirty="0">
+              <a:solidFill>
+                <a:srgbClr val="FFFFFF"/>
+              </a:solidFill>
+              <a:latin typeface="Open Sauce Light Bold"/>
+            </a:endParaRPr>
+          </a:p>
+        </p:txBody>
+      </p:sp>
+      <p:sp>
+        <p:nvSpPr>
+          <p:cNvPr id="6" name="TextBox 6"/>
+          <p:cNvSpPr txBox="1"/>
+          <p:nvPr/>
+        </p:nvSpPr>
+        <p:spPr>
+          <a:xfrm>
+            <a:off x="14312941" y="7138333"/>
+            <a:ext cx="3403710" cy="814325"/>
+          </a:xfrm>
+          <a:prstGeom prst="rect">
+            <a:avLst/>
+          </a:prstGeom>
+        </p:spPr>
+        <p:txBody>
+          <a:bodyPr wrap="square" lIns="0" tIns="0" rIns="0" bIns="0" rtlCol="0" anchor="t">
+            <a:spAutoFit/>
+          </a:bodyPr>
+          <a:lstStyle/>
           <a:p>
             <a:pPr algn="ctr">
               <a:lnSpc>
@@ -7228,68 +7000,56 @@
               </a:lnSpc>
             </a:pPr>
             <a:r>
-              <a:rPr lang="en-US" sz="2500" spc="100">
+              <a:rPr lang="en-US" sz="2500" spc="100" dirty="0" err="1">
                 <a:solidFill>
                   <a:srgbClr val="FFFFFF"/>
                 </a:solidFill>
                 <a:latin typeface="Open Sauce Light Bold"/>
               </a:rPr>
-              <a:t>J3C219178</a:t>
-            </a:r>
-          </a:p>
-        </p:txBody>
-      </p:sp>
-      <p:sp>
-        <p:nvSpPr>
-          <p:cNvPr id="6" name="TextBox 6"/>
-          <p:cNvSpPr txBox="1"/>
-          <p:nvPr/>
-        </p:nvSpPr>
-        <p:spPr>
-          <a:xfrm>
-            <a:off x="14312941" y="7138333"/>
-            <a:ext cx="2946359" cy="803306"/>
-          </a:xfrm>
-          <a:prstGeom prst="rect">
-            <a:avLst/>
-          </a:prstGeom>
-        </p:spPr>
-        <p:txBody>
-          <a:bodyPr lIns="0" tIns="0" rIns="0" bIns="0" rtlCol="0" anchor="t">
-            <a:spAutoFit/>
-          </a:bodyPr>
-          <a:lstStyle/>
-          <a:p>
-            <a:pPr algn="ctr">
-              <a:lnSpc>
-                <a:spcPts val="3250"/>
-              </a:lnSpc>
-            </a:pPr>
-            <a:r>
-              <a:rPr lang="en-US" sz="2500" spc="100">
+              <a:t>Yulian</a:t>
+            </a:r>
+            <a:r>
+              <a:rPr lang="en-US" sz="2500" spc="100" dirty="0">
                 <a:solidFill>
                   <a:srgbClr val="FFFFFF"/>
                 </a:solidFill>
                 <a:latin typeface="Open Sauce Light Bold"/>
               </a:rPr>
-              <a:t>Yulian Rizki</a:t>
-            </a:r>
-          </a:p>
-          <a:p>
-            <a:pPr algn="ctr">
-              <a:lnSpc>
-                <a:spcPts val="3250"/>
-              </a:lnSpc>
-            </a:pPr>
-            <a:r>
-              <a:rPr lang="en-US" sz="2500" spc="100">
+              <a:t> </a:t>
+            </a:r>
+            <a:r>
+              <a:rPr lang="en-US" sz="2500" spc="100" dirty="0" err="1">
                 <a:solidFill>
                   <a:srgbClr val="FFFFFF"/>
                 </a:solidFill>
                 <a:latin typeface="Open Sauce Light Bold"/>
               </a:rPr>
+              <a:t>Rizki</a:t>
+            </a:r>
+            <a:r>
+              <a:rPr lang="id-ID" sz="2500" spc="100" dirty="0">
+                <a:solidFill>
+                  <a:srgbClr val="FFFFFF"/>
+                </a:solidFill>
+                <a:latin typeface="Open Sauce Light Bold"/>
+              </a:rPr>
+              <a:t> </a:t>
+            </a:r>
+            <a:r>
+              <a:rPr lang="en-US" sz="2500" spc="100" dirty="0" smtClean="0">
+                <a:solidFill>
+                  <a:srgbClr val="FFFFFF"/>
+                </a:solidFill>
+                <a:latin typeface="Open Sauce Light Bold"/>
+              </a:rPr>
               <a:t>J3C219184</a:t>
             </a:r>
+            <a:endParaRPr lang="en-US" sz="2500" spc="100" dirty="0">
+              <a:solidFill>
+                <a:srgbClr val="FFFFFF"/>
+              </a:solidFill>
+              <a:latin typeface="Open Sauce Light Bold"/>
+            </a:endParaRPr>
           </a:p>
         </p:txBody>
       </p:sp>
@@ -9201,204 +8961,22 @@
               </a:lnSpc>
             </a:pPr>
             <a:r>
-              <a:rPr lang="en-US" sz="2405" dirty="0">
-                <a:solidFill>
-                  <a:srgbClr val="000000"/>
-                </a:solidFill>
-                <a:latin typeface="Rubik Light"/>
-              </a:rPr>
-              <a:t>Les: </a:t>
-            </a:r>
-            <a:r>
-              <a:rPr lang="en-US" sz="2405" dirty="0" err="1">
-                <a:solidFill>
-                  <a:srgbClr val="000000"/>
-                </a:solidFill>
-                <a:latin typeface="Rubik Light"/>
-              </a:rPr>
-              <a:t>pelajaran</a:t>
-            </a:r>
-            <a:r>
-              <a:rPr lang="en-US" sz="2405" dirty="0">
-                <a:solidFill>
-                  <a:srgbClr val="000000"/>
-                </a:solidFill>
-                <a:latin typeface="Rubik Light"/>
-              </a:rPr>
-              <a:t> </a:t>
-            </a:r>
-            <a:r>
-              <a:rPr lang="en-US" sz="2405" dirty="0" err="1">
-                <a:solidFill>
-                  <a:srgbClr val="000000"/>
-                </a:solidFill>
-                <a:latin typeface="Rubik Light"/>
-              </a:rPr>
-              <a:t>atau</a:t>
-            </a:r>
-            <a:r>
-              <a:rPr lang="en-US" sz="2405" dirty="0">
-                <a:solidFill>
-                  <a:srgbClr val="000000"/>
-                </a:solidFill>
-                <a:latin typeface="Rubik Light"/>
-              </a:rPr>
-              <a:t> </a:t>
-            </a:r>
-            <a:r>
-              <a:rPr lang="en-US" sz="2405" dirty="0" err="1">
-                <a:solidFill>
-                  <a:srgbClr val="000000"/>
-                </a:solidFill>
-                <a:latin typeface="Rubik Light"/>
-              </a:rPr>
-              <a:t>pelajaran</a:t>
-            </a:r>
-            <a:r>
-              <a:rPr lang="en-US" sz="2405" dirty="0">
-                <a:solidFill>
-                  <a:srgbClr val="000000"/>
-                </a:solidFill>
-                <a:latin typeface="Rubik Light"/>
-              </a:rPr>
-              <a:t> </a:t>
-            </a:r>
-            <a:r>
-              <a:rPr lang="en-US" sz="2405" dirty="0" err="1">
-                <a:solidFill>
-                  <a:srgbClr val="000000"/>
-                </a:solidFill>
-                <a:latin typeface="Rubik Light"/>
-              </a:rPr>
-              <a:t>tambahan</a:t>
-            </a:r>
-            <a:r>
-              <a:rPr lang="en-US" sz="2405" dirty="0">
-                <a:solidFill>
-                  <a:srgbClr val="000000"/>
-                </a:solidFill>
-                <a:latin typeface="Rubik Light"/>
-              </a:rPr>
-              <a:t> di </a:t>
-            </a:r>
-            <a:r>
-              <a:rPr lang="en-US" sz="2405" dirty="0" err="1">
-                <a:solidFill>
-                  <a:srgbClr val="000000"/>
-                </a:solidFill>
-                <a:latin typeface="Rubik Light"/>
-              </a:rPr>
-              <a:t>luar</a:t>
-            </a:r>
-            <a:r>
-              <a:rPr lang="en-US" sz="2405" dirty="0">
-                <a:solidFill>
-                  <a:srgbClr val="000000"/>
-                </a:solidFill>
-                <a:latin typeface="Rubik Light"/>
-              </a:rPr>
-              <a:t> jam </a:t>
-            </a:r>
-            <a:r>
-              <a:rPr lang="en-US" sz="2405" dirty="0" err="1">
-                <a:solidFill>
-                  <a:srgbClr val="000000"/>
-                </a:solidFill>
-                <a:latin typeface="Rubik Light"/>
-              </a:rPr>
-              <a:t>sekolah</a:t>
-            </a:r>
-            <a:r>
-              <a:rPr lang="en-US" sz="2405" dirty="0">
-                <a:solidFill>
-                  <a:srgbClr val="000000"/>
-                </a:solidFill>
-                <a:latin typeface="Rubik Light"/>
-              </a:rPr>
-              <a:t>, </a:t>
-            </a:r>
-            <a:r>
-              <a:rPr lang="en-US" sz="2405" dirty="0" err="1">
-                <a:solidFill>
-                  <a:srgbClr val="000000"/>
-                </a:solidFill>
-                <a:latin typeface="Rubik Light"/>
-              </a:rPr>
-              <a:t>belajar</a:t>
-            </a:r>
-            <a:r>
-              <a:rPr lang="en-US" sz="2405" dirty="0">
-                <a:solidFill>
-                  <a:srgbClr val="000000"/>
-                </a:solidFill>
-                <a:latin typeface="Rubik Light"/>
-              </a:rPr>
-              <a:t> </a:t>
-            </a:r>
-            <a:r>
-              <a:rPr lang="en-US" sz="2405" dirty="0" err="1">
-                <a:solidFill>
-                  <a:srgbClr val="000000"/>
-                </a:solidFill>
-                <a:latin typeface="Rubik Light"/>
-              </a:rPr>
-              <a:t>kepada</a:t>
-            </a:r>
-            <a:r>
-              <a:rPr lang="en-US" sz="2405" dirty="0">
-                <a:solidFill>
-                  <a:srgbClr val="000000"/>
-                </a:solidFill>
-                <a:latin typeface="Rubik Light"/>
-              </a:rPr>
-              <a:t> </a:t>
-            </a:r>
-            <a:r>
-              <a:rPr lang="en-US" sz="2405" dirty="0" err="1">
-                <a:solidFill>
-                  <a:srgbClr val="000000"/>
-                </a:solidFill>
-                <a:latin typeface="Rubik Light"/>
-              </a:rPr>
-              <a:t>seseorang</a:t>
-            </a:r>
-            <a:r>
-              <a:rPr lang="en-US" sz="2405" dirty="0">
-                <a:solidFill>
-                  <a:srgbClr val="000000"/>
-                </a:solidFill>
-                <a:latin typeface="Rubik Light"/>
-              </a:rPr>
-              <a:t> di </a:t>
-            </a:r>
-            <a:r>
-              <a:rPr lang="en-US" sz="2405" dirty="0" err="1">
-                <a:solidFill>
-                  <a:srgbClr val="000000"/>
-                </a:solidFill>
-                <a:latin typeface="Rubik Light"/>
-              </a:rPr>
-              <a:t>luar</a:t>
-            </a:r>
-            <a:r>
-              <a:rPr lang="en-US" sz="2405" dirty="0">
-                <a:solidFill>
-                  <a:srgbClr val="000000"/>
-                </a:solidFill>
-                <a:latin typeface="Rubik Light"/>
-              </a:rPr>
-              <a:t> jam </a:t>
-            </a:r>
-            <a:r>
-              <a:rPr lang="en-US" sz="2405" dirty="0" err="1">
-                <a:solidFill>
-                  <a:srgbClr val="000000"/>
-                </a:solidFill>
-                <a:latin typeface="Rubik Light"/>
-              </a:rPr>
-              <a:t>sekolah</a:t>
-            </a:r>
-            <a:endParaRPr lang="en-US" sz="2405" dirty="0">
+              <a:rPr lang="en-US" sz="2405">
+                <a:solidFill>
+                  <a:srgbClr val="000000"/>
+                </a:solidFill>
+                <a:latin typeface="Rubik Light"/>
+              </a:rPr>
+              <a:t>Les: pelajaran atau pelajaran tambahan di luar jam sekolah, belajar kepada seseorang di luar jam sekolah</a:t>
+            </a:r>
+          </a:p>
+          <a:p>
+            <a:pPr algn="just">
+              <a:lnSpc>
+                <a:spcPts val="3367"/>
+              </a:lnSpc>
+            </a:pPr>
+            <a:endParaRPr lang="en-US" sz="2405">
               <a:solidFill>
                 <a:srgbClr val="000000"/>
               </a:solidFill>
@@ -9411,7 +8989,23 @@
                 <a:spcPts val="3367"/>
               </a:lnSpc>
             </a:pPr>
-            <a:endParaRPr lang="en-US" sz="2405" dirty="0">
+            <a:r>
+              <a:rPr lang="en-US" sz="2405">
+                <a:solidFill>
+                  <a:srgbClr val="000000"/>
+                </a:solidFill>
+                <a:latin typeface="Rubik Light"/>
+              </a:rPr>
+              <a:t>On: kependekan kata dari ONline(daring), secara umum menunjukkan keadaan terhubung</a:t>
+            </a:r>
+          </a:p>
+          <a:p>
+            <a:pPr algn="just">
+              <a:lnSpc>
+                <a:spcPts val="3367"/>
+              </a:lnSpc>
+            </a:pPr>
+            <a:endParaRPr lang="en-US" sz="2405">
               <a:solidFill>
                 <a:srgbClr val="000000"/>
               </a:solidFill>
@@ -9425,155 +9019,14 @@
               </a:lnSpc>
             </a:pPr>
             <a:r>
-              <a:rPr lang="en-US" sz="2405" dirty="0">
-                <a:solidFill>
-                  <a:srgbClr val="000000"/>
-                </a:solidFill>
-                <a:latin typeface="Rubik Light"/>
-              </a:rPr>
-              <a:t>On: </a:t>
-            </a:r>
-            <a:r>
-              <a:rPr lang="en-US" sz="2405" dirty="0" err="1">
-                <a:solidFill>
-                  <a:srgbClr val="000000"/>
-                </a:solidFill>
-                <a:latin typeface="Rubik Light"/>
-              </a:rPr>
-              <a:t>kependekan</a:t>
-            </a:r>
-            <a:r>
-              <a:rPr lang="en-US" sz="2405" dirty="0">
-                <a:solidFill>
-                  <a:srgbClr val="000000"/>
-                </a:solidFill>
-                <a:latin typeface="Rubik Light"/>
-              </a:rPr>
-              <a:t> kata </a:t>
-            </a:r>
-            <a:r>
-              <a:rPr lang="en-US" sz="2405" dirty="0" err="1">
-                <a:solidFill>
-                  <a:srgbClr val="000000"/>
-                </a:solidFill>
-                <a:latin typeface="Rubik Light"/>
-              </a:rPr>
-              <a:t>dari</a:t>
-            </a:r>
-            <a:r>
-              <a:rPr lang="en-US" sz="2405" dirty="0">
-                <a:solidFill>
-                  <a:srgbClr val="000000"/>
-                </a:solidFill>
-                <a:latin typeface="Rubik Light"/>
-              </a:rPr>
-              <a:t> </a:t>
-            </a:r>
-            <a:r>
-              <a:rPr lang="en-US" sz="2405" dirty="0" err="1">
-                <a:solidFill>
-                  <a:srgbClr val="000000"/>
-                </a:solidFill>
-                <a:latin typeface="Rubik Light"/>
-              </a:rPr>
-              <a:t>ONline</a:t>
-            </a:r>
-            <a:r>
-              <a:rPr lang="en-US" sz="2405" dirty="0">
-                <a:solidFill>
-                  <a:srgbClr val="000000"/>
-                </a:solidFill>
-                <a:latin typeface="Rubik Light"/>
-              </a:rPr>
-              <a:t>(daring), </a:t>
-            </a:r>
-            <a:r>
-              <a:rPr lang="en-US" sz="2405" dirty="0" err="1">
-                <a:solidFill>
-                  <a:srgbClr val="000000"/>
-                </a:solidFill>
-                <a:latin typeface="Rubik Light"/>
-              </a:rPr>
-              <a:t>secara</a:t>
-            </a:r>
-            <a:r>
-              <a:rPr lang="en-US" sz="2405" dirty="0">
-                <a:solidFill>
-                  <a:srgbClr val="000000"/>
-                </a:solidFill>
-                <a:latin typeface="Rubik Light"/>
-              </a:rPr>
-              <a:t> </a:t>
-            </a:r>
-            <a:r>
-              <a:rPr lang="en-US" sz="2405" dirty="0" err="1">
-                <a:solidFill>
-                  <a:srgbClr val="000000"/>
-                </a:solidFill>
-                <a:latin typeface="Rubik Light"/>
-              </a:rPr>
-              <a:t>umum</a:t>
-            </a:r>
-            <a:r>
-              <a:rPr lang="en-US" sz="2405" dirty="0">
-                <a:solidFill>
-                  <a:srgbClr val="000000"/>
-                </a:solidFill>
-                <a:latin typeface="Rubik Light"/>
-              </a:rPr>
-              <a:t> </a:t>
-            </a:r>
-            <a:r>
-              <a:rPr lang="en-US" sz="2405" dirty="0" err="1">
-                <a:solidFill>
-                  <a:srgbClr val="000000"/>
-                </a:solidFill>
-                <a:latin typeface="Rubik Light"/>
-              </a:rPr>
-              <a:t>menunjukkan</a:t>
-            </a:r>
-            <a:r>
-              <a:rPr lang="en-US" sz="2405" dirty="0">
-                <a:solidFill>
-                  <a:srgbClr val="000000"/>
-                </a:solidFill>
-                <a:latin typeface="Rubik Light"/>
-              </a:rPr>
-              <a:t> </a:t>
-            </a:r>
-            <a:r>
-              <a:rPr lang="en-US" sz="2405" dirty="0" err="1">
-                <a:solidFill>
-                  <a:srgbClr val="000000"/>
-                </a:solidFill>
-                <a:latin typeface="Rubik Light"/>
-              </a:rPr>
-              <a:t>keadaan</a:t>
-            </a:r>
-            <a:r>
-              <a:rPr lang="en-US" sz="2405" dirty="0">
-                <a:solidFill>
-                  <a:srgbClr val="000000"/>
-                </a:solidFill>
-                <a:latin typeface="Rubik Light"/>
-              </a:rPr>
-              <a:t> </a:t>
-            </a:r>
-            <a:r>
-              <a:rPr lang="en-US" sz="2405" dirty="0" err="1">
-                <a:solidFill>
-                  <a:srgbClr val="000000"/>
-                </a:solidFill>
-                <a:latin typeface="Rubik Light"/>
-              </a:rPr>
-              <a:t>terhubung</a:t>
-            </a:r>
-            <a:endParaRPr lang="en-US" sz="2405" dirty="0">
-              <a:solidFill>
-                <a:srgbClr val="000000"/>
-              </a:solidFill>
-              <a:latin typeface="Rubik Light"/>
-            </a:endParaRPr>
+              <a:rPr lang="en-US" sz="2405">
+                <a:solidFill>
+                  <a:srgbClr val="000000"/>
+                </a:solidFill>
+                <a:latin typeface="Rubik Medium"/>
+              </a:rPr>
+              <a:t>Jika digabung...</a:t>
+            </a:r>
           </a:p>
           <a:p>
             <a:pPr algn="just">
@@ -9581,11 +9034,11 @@
                 <a:spcPts val="3367"/>
               </a:lnSpc>
             </a:pPr>
-            <a:endParaRPr lang="en-US" sz="2405" dirty="0">
+            <a:endParaRPr lang="en-US" sz="2405">
               <a:solidFill>
                 <a:srgbClr val="000000"/>
               </a:solidFill>
-              <a:latin typeface="Rubik Light"/>
+              <a:latin typeface="Rubik Medium"/>
             </a:endParaRPr>
           </a:p>
           <a:p>
@@ -9595,40 +9048,13 @@
               </a:lnSpc>
             </a:pPr>
             <a:r>
-              <a:rPr lang="en-US" sz="2405" dirty="0" err="1">
-                <a:solidFill>
-                  <a:srgbClr val="000000"/>
-                </a:solidFill>
-                <a:latin typeface="Rubik Medium"/>
-              </a:rPr>
-              <a:t>Jika</a:t>
-            </a:r>
-            <a:r>
-              <a:rPr lang="en-US" sz="2405" dirty="0">
-                <a:solidFill>
-                  <a:srgbClr val="000000"/>
-                </a:solidFill>
-                <a:latin typeface="Rubik Medium"/>
-              </a:rPr>
-              <a:t> </a:t>
-            </a:r>
-            <a:r>
-              <a:rPr lang="en-US" sz="2405" dirty="0" err="1">
-                <a:solidFill>
-                  <a:srgbClr val="000000"/>
-                </a:solidFill>
-                <a:latin typeface="Rubik Medium"/>
-              </a:rPr>
-              <a:t>digabung</a:t>
-            </a:r>
-            <a:r>
-              <a:rPr lang="en-US" sz="2405" dirty="0">
-                <a:solidFill>
-                  <a:srgbClr val="000000"/>
-                </a:solidFill>
-                <a:latin typeface="Rubik Medium"/>
-              </a:rPr>
-              <a:t>...</a:t>
+              <a:rPr lang="en-US" sz="2405">
+                <a:solidFill>
+                  <a:srgbClr val="000000"/>
+                </a:solidFill>
+                <a:latin typeface="Rubik Light"/>
+              </a:rPr>
+              <a:t>Leson: penulisannya hampir mirip dengan kata lesson dalam bahasa Inggris, yang berarti pelajaran</a:t>
             </a:r>
           </a:p>
           <a:p>
@@ -9637,204 +9063,7 @@
                 <a:spcPts val="3367"/>
               </a:lnSpc>
             </a:pPr>
-            <a:endParaRPr lang="en-US" sz="2405" dirty="0">
-              <a:solidFill>
-                <a:srgbClr val="000000"/>
-              </a:solidFill>
-              <a:latin typeface="Rubik Medium"/>
-            </a:endParaRPr>
-          </a:p>
-          <a:p>
-            <a:pPr algn="just">
-              <a:lnSpc>
-                <a:spcPts val="3367"/>
-              </a:lnSpc>
-            </a:pPr>
-            <a:r>
-              <a:rPr lang="en-US" sz="2405" dirty="0" err="1">
-                <a:solidFill>
-                  <a:srgbClr val="000000"/>
-                </a:solidFill>
-                <a:latin typeface="Rubik Light"/>
-              </a:rPr>
-              <a:t>Leson</a:t>
-            </a:r>
-            <a:r>
-              <a:rPr lang="en-US" sz="2405" dirty="0">
-                <a:solidFill>
-                  <a:srgbClr val="000000"/>
-                </a:solidFill>
-                <a:latin typeface="Rubik Light"/>
-              </a:rPr>
-              <a:t>: </a:t>
-            </a:r>
-            <a:r>
-              <a:rPr lang="en-US" sz="2405" dirty="0" err="1">
-                <a:solidFill>
-                  <a:srgbClr val="000000"/>
-                </a:solidFill>
-                <a:latin typeface="Rubik Light"/>
-              </a:rPr>
-              <a:t>penulisannya</a:t>
-            </a:r>
-            <a:r>
-              <a:rPr lang="en-US" sz="2405" dirty="0">
-                <a:solidFill>
-                  <a:srgbClr val="000000"/>
-                </a:solidFill>
-                <a:latin typeface="Rubik Light"/>
-              </a:rPr>
-              <a:t> </a:t>
-            </a:r>
-            <a:r>
-              <a:rPr lang="en-US" sz="2405" dirty="0" err="1">
-                <a:solidFill>
-                  <a:srgbClr val="000000"/>
-                </a:solidFill>
-                <a:latin typeface="Rubik Light"/>
-              </a:rPr>
-              <a:t>hampir</a:t>
-            </a:r>
-            <a:r>
-              <a:rPr lang="en-US" sz="2405" dirty="0">
-                <a:solidFill>
-                  <a:srgbClr val="000000"/>
-                </a:solidFill>
-                <a:latin typeface="Rubik Light"/>
-              </a:rPr>
-              <a:t> </a:t>
-            </a:r>
-            <a:r>
-              <a:rPr lang="en-US" sz="2405" dirty="0" err="1">
-                <a:solidFill>
-                  <a:srgbClr val="000000"/>
-                </a:solidFill>
-                <a:latin typeface="Rubik Light"/>
-              </a:rPr>
-              <a:t>mirip</a:t>
-            </a:r>
-            <a:r>
-              <a:rPr lang="en-US" sz="2405" dirty="0">
-                <a:solidFill>
-                  <a:srgbClr val="000000"/>
-                </a:solidFill>
-                <a:latin typeface="Rubik Light"/>
-              </a:rPr>
-              <a:t> </a:t>
-            </a:r>
-            <a:r>
-              <a:rPr lang="en-US" sz="2405" dirty="0" err="1">
-                <a:solidFill>
-                  <a:srgbClr val="000000"/>
-                </a:solidFill>
-                <a:latin typeface="Rubik Light"/>
-              </a:rPr>
-              <a:t>dengan</a:t>
-            </a:r>
-            <a:r>
-              <a:rPr lang="en-US" sz="2405" dirty="0">
-                <a:solidFill>
-                  <a:srgbClr val="000000"/>
-                </a:solidFill>
-                <a:latin typeface="Rubik Light"/>
-              </a:rPr>
-              <a:t> kata lesson </a:t>
-            </a:r>
-            <a:r>
-              <a:rPr lang="en-US" sz="2405" dirty="0" err="1">
-                <a:solidFill>
-                  <a:srgbClr val="000000"/>
-                </a:solidFill>
-                <a:latin typeface="Rubik Light"/>
-              </a:rPr>
-              <a:t>dalam</a:t>
-            </a:r>
-            <a:r>
-              <a:rPr lang="en-US" sz="2405" dirty="0">
-                <a:solidFill>
-                  <a:srgbClr val="000000"/>
-                </a:solidFill>
-                <a:latin typeface="Rubik Light"/>
-              </a:rPr>
-              <a:t> </a:t>
-            </a:r>
-            <a:r>
-              <a:rPr lang="en-US" sz="2405" dirty="0" err="1">
-                <a:solidFill>
-                  <a:srgbClr val="000000"/>
-                </a:solidFill>
-                <a:latin typeface="Rubik Light"/>
-              </a:rPr>
-              <a:t>bahasa</a:t>
-            </a:r>
-            <a:r>
-              <a:rPr lang="en-US" sz="2405" dirty="0">
-                <a:solidFill>
-                  <a:srgbClr val="000000"/>
-                </a:solidFill>
-                <a:latin typeface="Rubik Light"/>
-              </a:rPr>
-              <a:t> </a:t>
-            </a:r>
-            <a:r>
-              <a:rPr lang="en-US" sz="2405" dirty="0" err="1">
-                <a:solidFill>
-                  <a:srgbClr val="000000"/>
-                </a:solidFill>
-                <a:latin typeface="Rubik Light"/>
-              </a:rPr>
-              <a:t>Inggris</a:t>
-            </a:r>
-            <a:r>
-              <a:rPr lang="en-US" sz="2405" dirty="0">
-                <a:solidFill>
-                  <a:srgbClr val="000000"/>
-                </a:solidFill>
-                <a:latin typeface="Rubik Light"/>
-              </a:rPr>
-              <a:t>, yang </a:t>
-            </a:r>
-            <a:r>
-              <a:rPr lang="en-US" sz="2405" dirty="0" err="1">
-                <a:solidFill>
-                  <a:srgbClr val="000000"/>
-                </a:solidFill>
-                <a:latin typeface="Rubik Light"/>
-              </a:rPr>
-              <a:t>berarti</a:t>
-            </a:r>
-            <a:r>
-              <a:rPr lang="en-US" sz="2405" dirty="0">
-                <a:solidFill>
-                  <a:srgbClr val="000000"/>
-                </a:solidFill>
-                <a:latin typeface="Rubik Light"/>
-              </a:rPr>
-              <a:t> </a:t>
-            </a:r>
-            <a:r>
-              <a:rPr lang="en-US" sz="2405" dirty="0" err="1">
-                <a:solidFill>
-                  <a:srgbClr val="000000"/>
-                </a:solidFill>
-                <a:latin typeface="Rubik Light"/>
-              </a:rPr>
-              <a:t>pelajaran</a:t>
-            </a:r>
-            <a:endParaRPr lang="en-US" sz="2405" dirty="0">
-              <a:solidFill>
-                <a:srgbClr val="000000"/>
-              </a:solidFill>
-              <a:latin typeface="Rubik Light"/>
-            </a:endParaRPr>
-          </a:p>
-          <a:p>
-            <a:pPr algn="just">
-              <a:lnSpc>
-                <a:spcPts val="3367"/>
-              </a:lnSpc>
-            </a:pPr>
-            <a:endParaRPr lang="en-US" sz="2405" dirty="0">
+            <a:endParaRPr lang="en-US" sz="2405">
               <a:solidFill>
                 <a:srgbClr val="000000"/>
               </a:solidFill>
@@ -10007,7 +9236,7 @@
         <p:spPr>
           <a:xfrm>
             <a:off x="1778255" y="3888929"/>
-            <a:ext cx="3868108" cy="936154"/>
+            <a:ext cx="2946145" cy="899862"/>
           </a:xfrm>
           <a:prstGeom prst="rect">
             <a:avLst/>
@@ -10031,23 +9260,8 @@
                 </a:solidFill>
                 <a:latin typeface="Rubik One"/>
               </a:rPr>
-              <a:t>Les On </a:t>
-            </a:r>
-            <a:r>
-              <a:rPr lang="en-US" sz="5200" dirty="0" smtClean="0">
-                <a:solidFill>
-                  <a:srgbClr val="000000"/>
-                </a:solidFill>
-                <a:latin typeface="Rubik One"/>
-              </a:rPr>
-              <a:t>!</a:t>
-            </a:r>
-            <a:endParaRPr lang="en-US" sz="5200" dirty="0">
-              <a:solidFill>
-                <a:srgbClr val="000000"/>
-              </a:solidFill>
-              <a:latin typeface="Rubik One"/>
-            </a:endParaRPr>
+              <a:t>Les On !</a:t>
+            </a:r>
           </a:p>
         </p:txBody>
       </p:sp>
